--- a/assets/gitlab.pptx
+++ b/assets/gitlab.pptx
@@ -5,11 +5,10 @@
     <p:sldMasterId id="2147483660" r:id="rId1"/>
   </p:sldMasterIdLst>
   <p:notesMasterIdLst>
-    <p:notesMasterId r:id="rId4"/>
+    <p:notesMasterId r:id="rId3"/>
   </p:notesMasterIdLst>
   <p:sldIdLst>
     <p:sldId id="257" r:id="rId2"/>
-    <p:sldId id="256" r:id="rId3"/>
   </p:sldIdLst>
   <p:sldSz cx="15792450" cy="10458450"/>
   <p:notesSz cx="6858000" cy="9144000"/>
@@ -119,7 +118,7 @@
 <file path=ppt/revisionInfo.xml><?xml version="1.0" encoding="utf-8"?>
 <p1510:revInfo xmlns:a="http://schemas.openxmlformats.org/drawingml/2006/main" xmlns:r="http://schemas.openxmlformats.org/officeDocument/2006/relationships" xmlns:p1510="http://schemas.microsoft.com/office/powerpoint/2015/10/main">
   <p1510:revLst>
-    <p1510:client id="{E78FE785-5E75-474D-ABFD-7E495AB7D866}" v="211" dt="2024-11-16T08:22:55.191"/>
+    <p1510:client id="{E78FE785-5E75-474D-ABFD-7E495AB7D866}" v="213" dt="2024-11-23T03:31:16.998"/>
   </p1510:revLst>
 </p1510:revInfo>
 </file>
@@ -129,12 +128,12 @@
   <pc:docChgLst>
     <pc:chgData name="Renya Kujirada" userId="e48068c41cbe41b3" providerId="LiveId" clId="{E78FE785-5E75-474D-ABFD-7E495AB7D866}"/>
     <pc:docChg chg="undo redo custSel addSld delSld modSld sldOrd modMainMaster modNotesMaster">
-      <pc:chgData name="Renya Kujirada" userId="e48068c41cbe41b3" providerId="LiveId" clId="{E78FE785-5E75-474D-ABFD-7E495AB7D866}" dt="2024-11-16T08:25:52.256" v="511"/>
+      <pc:chgData name="Renya Kujirada" userId="e48068c41cbe41b3" providerId="LiveId" clId="{E78FE785-5E75-474D-ABFD-7E495AB7D866}" dt="2024-11-23T03:31:32.258" v="519" actId="47"/>
       <pc:docMkLst>
         <pc:docMk/>
       </pc:docMkLst>
-      <pc:sldChg chg="addSp delSp modSp new mod modNotes">
-        <pc:chgData name="Renya Kujirada" userId="e48068c41cbe41b3" providerId="LiveId" clId="{E78FE785-5E75-474D-ABFD-7E495AB7D866}" dt="2024-11-16T08:21:43.833" v="478"/>
+      <pc:sldChg chg="addSp delSp modSp new del mod modNotes">
+        <pc:chgData name="Renya Kujirada" userId="e48068c41cbe41b3" providerId="LiveId" clId="{E78FE785-5E75-474D-ABFD-7E495AB7D866}" dt="2024-11-23T03:31:32.258" v="519" actId="47"/>
         <pc:sldMkLst>
           <pc:docMk/>
           <pc:sldMk cId="3145203891" sldId="256"/>
@@ -885,7 +884,7 @@
         </pc:cxnChg>
       </pc:sldChg>
       <pc:sldChg chg="addSp modSp add del mod ord modNotes">
-        <pc:chgData name="Renya Kujirada" userId="e48068c41cbe41b3" providerId="LiveId" clId="{E78FE785-5E75-474D-ABFD-7E495AB7D866}" dt="2024-11-16T08:25:52.256" v="511"/>
+        <pc:chgData name="Renya Kujirada" userId="e48068c41cbe41b3" providerId="LiveId" clId="{E78FE785-5E75-474D-ABFD-7E495AB7D866}" dt="2024-11-23T03:31:16.997" v="518"/>
         <pc:sldMkLst>
           <pc:docMk/>
           <pc:sldMk cId="307820958" sldId="257"/>
@@ -939,7 +938,7 @@
           </ac:spMkLst>
         </pc:spChg>
         <pc:spChg chg="mod">
-          <ac:chgData name="Renya Kujirada" userId="e48068c41cbe41b3" providerId="LiveId" clId="{E78FE785-5E75-474D-ABFD-7E495AB7D866}" dt="2024-11-16T08:22:55.190" v="490" actId="1076"/>
+          <ac:chgData name="Renya Kujirada" userId="e48068c41cbe41b3" providerId="LiveId" clId="{E78FE785-5E75-474D-ABFD-7E495AB7D866}" dt="2024-11-23T03:31:16.997" v="518"/>
           <ac:spMkLst>
             <pc:docMk/>
             <pc:sldMk cId="307820958" sldId="257"/>
@@ -979,7 +978,7 @@
           </ac:spMkLst>
         </pc:spChg>
         <pc:spChg chg="mod">
-          <ac:chgData name="Renya Kujirada" userId="e48068c41cbe41b3" providerId="LiveId" clId="{E78FE785-5E75-474D-ABFD-7E495AB7D866}" dt="2024-11-16T08:22:55.190" v="490" actId="1076"/>
+          <ac:chgData name="Renya Kujirada" userId="e48068c41cbe41b3" providerId="LiveId" clId="{E78FE785-5E75-474D-ABFD-7E495AB7D866}" dt="2024-11-23T03:31:12.562" v="515" actId="14100"/>
           <ac:spMkLst>
             <pc:docMk/>
             <pc:sldMk cId="307820958" sldId="257"/>
@@ -1700,7 +1699,7 @@
           <a:p>
             <a:fld id="{8D79234B-E9F7-489B-AB2E-047F775A4E63}" type="datetimeFigureOut">
               <a:rPr kumimoji="1" lang="ja-JP" altLang="en-US" smtClean="0"/>
-              <a:t>2024/11/16</a:t>
+              <a:t>2024/11/23</a:t>
             </a:fld>
             <a:endParaRPr kumimoji="1" lang="ja-JP" altLang="en-US"/>
           </a:p>
@@ -2112,95 +2111,6 @@
 </p:notes>
 </file>
 
-<file path=ppt/notesSlides/notesSlide2.xml><?xml version="1.0" encoding="utf-8"?>
-<p:notes xmlns:a="http://schemas.openxmlformats.org/drawingml/2006/main" xmlns:r="http://schemas.openxmlformats.org/officeDocument/2006/relationships" xmlns:p="http://schemas.openxmlformats.org/presentationml/2006/main">
-  <p:cSld>
-    <p:spTree>
-      <p:nvGrpSpPr>
-        <p:cNvPr id="1" name=""/>
-        <p:cNvGrpSpPr/>
-        <p:nvPr/>
-      </p:nvGrpSpPr>
-      <p:grpSpPr>
-        <a:xfrm>
-          <a:off x="0" y="0"/>
-          <a:ext cx="0" cy="0"/>
-          <a:chOff x="0" y="0"/>
-          <a:chExt cx="0" cy="0"/>
-        </a:xfrm>
-      </p:grpSpPr>
-      <p:sp>
-        <p:nvSpPr>
-          <p:cNvPr id="2" name="スライド イメージ プレースホルダー 1"/>
-          <p:cNvSpPr>
-            <a:spLocks noGrp="1" noRot="1" noChangeAspect="1"/>
-          </p:cNvSpPr>
-          <p:nvPr>
-            <p:ph type="sldImg"/>
-          </p:nvPr>
-        </p:nvSpPr>
-        <p:spPr>
-          <a:xfrm>
-            <a:off x="1098550" y="1143000"/>
-            <a:ext cx="4660900" cy="3086100"/>
-          </a:xfrm>
-        </p:spPr>
-      </p:sp>
-      <p:sp>
-        <p:nvSpPr>
-          <p:cNvPr id="3" name="ノート プレースホルダー 2"/>
-          <p:cNvSpPr>
-            <a:spLocks noGrp="1"/>
-          </p:cNvSpPr>
-          <p:nvPr>
-            <p:ph type="body" idx="1"/>
-          </p:nvPr>
-        </p:nvSpPr>
-        <p:spPr/>
-        <p:txBody>
-          <a:bodyPr/>
-          <a:lstStyle/>
-          <a:p>
-            <a:endParaRPr kumimoji="1" lang="ja-JP" altLang="en-US" dirty="0"/>
-          </a:p>
-        </p:txBody>
-      </p:sp>
-      <p:sp>
-        <p:nvSpPr>
-          <p:cNvPr id="4" name="スライド番号プレースホルダー 3"/>
-          <p:cNvSpPr>
-            <a:spLocks noGrp="1"/>
-          </p:cNvSpPr>
-          <p:nvPr>
-            <p:ph type="sldNum" sz="quarter" idx="5"/>
-          </p:nvPr>
-        </p:nvSpPr>
-        <p:spPr/>
-        <p:txBody>
-          <a:bodyPr/>
-          <a:lstStyle/>
-          <a:p>
-            <a:fld id="{84877ED2-C162-4050-AD94-DEAC0D6F4612}" type="slidenum">
-              <a:rPr kumimoji="1" lang="ja-JP" altLang="en-US" smtClean="0"/>
-              <a:t>2</a:t>
-            </a:fld>
-            <a:endParaRPr kumimoji="1" lang="ja-JP" altLang="en-US"/>
-          </a:p>
-        </p:txBody>
-      </p:sp>
-    </p:spTree>
-    <p:extLst>
-      <p:ext uri="{BB962C8B-B14F-4D97-AF65-F5344CB8AC3E}">
-        <p14:creationId xmlns:p14="http://schemas.microsoft.com/office/powerpoint/2010/main" val="2907006463"/>
-      </p:ext>
-    </p:extLst>
-  </p:cSld>
-  <p:clrMapOvr>
-    <a:masterClrMapping/>
-  </p:clrMapOvr>
-</p:notes>
-</file>
-
 <file path=ppt/slideLayouts/slideLayout1.xml><?xml version="1.0" encoding="utf-8"?>
 <p:sldLayout xmlns:a="http://schemas.openxmlformats.org/drawingml/2006/main" xmlns:r="http://schemas.openxmlformats.org/officeDocument/2006/relationships" xmlns:p="http://schemas.openxmlformats.org/presentationml/2006/main" type="title" preserve="1">
   <p:cSld name="タイトル スライド">
@@ -2332,7 +2242,7 @@
           <a:p>
             <a:fld id="{A861A5AE-75B8-4063-9021-77BE2C93243E}" type="datetimeFigureOut">
               <a:rPr kumimoji="1" lang="ja-JP" altLang="en-US" smtClean="0"/>
-              <a:t>2024/11/16</a:t>
+              <a:t>2024/11/23</a:t>
             </a:fld>
             <a:endParaRPr kumimoji="1" lang="ja-JP" altLang="en-US"/>
           </a:p>
@@ -2534,7 +2444,7 @@
           <a:p>
             <a:fld id="{A861A5AE-75B8-4063-9021-77BE2C93243E}" type="datetimeFigureOut">
               <a:rPr kumimoji="1" lang="ja-JP" altLang="en-US" smtClean="0"/>
-              <a:t>2024/11/16</a:t>
+              <a:t>2024/11/23</a:t>
             </a:fld>
             <a:endParaRPr kumimoji="1" lang="ja-JP" altLang="en-US"/>
           </a:p>
@@ -2746,7 +2656,7 @@
           <a:p>
             <a:fld id="{A861A5AE-75B8-4063-9021-77BE2C93243E}" type="datetimeFigureOut">
               <a:rPr kumimoji="1" lang="ja-JP" altLang="en-US" smtClean="0"/>
-              <a:t>2024/11/16</a:t>
+              <a:t>2024/11/23</a:t>
             </a:fld>
             <a:endParaRPr kumimoji="1" lang="ja-JP" altLang="en-US"/>
           </a:p>
@@ -2948,7 +2858,7 @@
           <a:p>
             <a:fld id="{A861A5AE-75B8-4063-9021-77BE2C93243E}" type="datetimeFigureOut">
               <a:rPr kumimoji="1" lang="ja-JP" altLang="en-US" smtClean="0"/>
-              <a:t>2024/11/16</a:t>
+              <a:t>2024/11/23</a:t>
             </a:fld>
             <a:endParaRPr kumimoji="1" lang="ja-JP" altLang="en-US"/>
           </a:p>
@@ -3194,7 +3104,7 @@
           <a:p>
             <a:fld id="{A861A5AE-75B8-4063-9021-77BE2C93243E}" type="datetimeFigureOut">
               <a:rPr kumimoji="1" lang="ja-JP" altLang="en-US" smtClean="0"/>
-              <a:t>2024/11/16</a:t>
+              <a:t>2024/11/23</a:t>
             </a:fld>
             <a:endParaRPr kumimoji="1" lang="ja-JP" altLang="en-US"/>
           </a:p>
@@ -3490,7 +3400,7 @@
           <a:p>
             <a:fld id="{A861A5AE-75B8-4063-9021-77BE2C93243E}" type="datetimeFigureOut">
               <a:rPr kumimoji="1" lang="ja-JP" altLang="en-US" smtClean="0"/>
-              <a:t>2024/11/16</a:t>
+              <a:t>2024/11/23</a:t>
             </a:fld>
             <a:endParaRPr kumimoji="1" lang="ja-JP" altLang="en-US"/>
           </a:p>
@@ -3921,7 +3831,7 @@
           <a:p>
             <a:fld id="{A861A5AE-75B8-4063-9021-77BE2C93243E}" type="datetimeFigureOut">
               <a:rPr kumimoji="1" lang="ja-JP" altLang="en-US" smtClean="0"/>
-              <a:t>2024/11/16</a:t>
+              <a:t>2024/11/23</a:t>
             </a:fld>
             <a:endParaRPr kumimoji="1" lang="ja-JP" altLang="en-US"/>
           </a:p>
@@ -4039,7 +3949,7 @@
           <a:p>
             <a:fld id="{A861A5AE-75B8-4063-9021-77BE2C93243E}" type="datetimeFigureOut">
               <a:rPr kumimoji="1" lang="ja-JP" altLang="en-US" smtClean="0"/>
-              <a:t>2024/11/16</a:t>
+              <a:t>2024/11/23</a:t>
             </a:fld>
             <a:endParaRPr kumimoji="1" lang="ja-JP" altLang="en-US"/>
           </a:p>
@@ -4134,7 +4044,7 @@
           <a:p>
             <a:fld id="{A861A5AE-75B8-4063-9021-77BE2C93243E}" type="datetimeFigureOut">
               <a:rPr kumimoji="1" lang="ja-JP" altLang="en-US" smtClean="0"/>
-              <a:t>2024/11/16</a:t>
+              <a:t>2024/11/23</a:t>
             </a:fld>
             <a:endParaRPr kumimoji="1" lang="ja-JP" altLang="en-US"/>
           </a:p>
@@ -4443,7 +4353,7 @@
           <a:p>
             <a:fld id="{A861A5AE-75B8-4063-9021-77BE2C93243E}" type="datetimeFigureOut">
               <a:rPr kumimoji="1" lang="ja-JP" altLang="en-US" smtClean="0"/>
-              <a:t>2024/11/16</a:t>
+              <a:t>2024/11/23</a:t>
             </a:fld>
             <a:endParaRPr kumimoji="1" lang="ja-JP" altLang="en-US"/>
           </a:p>
@@ -4700,7 +4610,7 @@
           <a:p>
             <a:fld id="{A861A5AE-75B8-4063-9021-77BE2C93243E}" type="datetimeFigureOut">
               <a:rPr kumimoji="1" lang="ja-JP" altLang="en-US" smtClean="0"/>
-              <a:t>2024/11/16</a:t>
+              <a:t>2024/11/23</a:t>
             </a:fld>
             <a:endParaRPr kumimoji="1" lang="ja-JP" altLang="en-US"/>
           </a:p>
@@ -4945,7 +4855,7 @@
           <a:p>
             <a:fld id="{A861A5AE-75B8-4063-9021-77BE2C93243E}" type="datetimeFigureOut">
               <a:rPr kumimoji="1" lang="ja-JP" altLang="en-US" smtClean="0"/>
-              <a:t>2024/11/16</a:t>
+              <a:t>2024/11/23</a:t>
             </a:fld>
             <a:endParaRPr kumimoji="1" lang="ja-JP" altLang="en-US"/>
           </a:p>
@@ -6584,7 +6494,23 @@
                   <a:ea typeface="Amazon Ember" panose="020B0603020204020204" pitchFamily="34" charset="0"/>
                   <a:cs typeface="Arial" panose="020B0604020202020204" pitchFamily="34" charset="0"/>
                 </a:rPr>
-                <a:t>(Gitlab Container)</a:t>
+                <a:t>(Git</a:t>
+              </a:r>
+              <a:r>
+                <a:rPr lang="en-US" altLang="ja-JP" sz="1200" dirty="0">
+                  <a:latin typeface="Arial" panose="020B0604020202020204" pitchFamily="34" charset="0"/>
+                  <a:ea typeface="Amazon Ember" panose="020B0603020204020204" pitchFamily="34" charset="0"/>
+                  <a:cs typeface="Arial" panose="020B0604020202020204" pitchFamily="34" charset="0"/>
+                </a:rPr>
+                <a:t>L</a:t>
+              </a:r>
+              <a:r>
+                <a:rPr lang="en-US" altLang="en-US" sz="1200" dirty="0">
+                  <a:latin typeface="Arial" panose="020B0604020202020204" pitchFamily="34" charset="0"/>
+                  <a:ea typeface="Amazon Ember" panose="020B0603020204020204" pitchFamily="34" charset="0"/>
+                  <a:cs typeface="Arial" panose="020B0604020202020204" pitchFamily="34" charset="0"/>
+                </a:rPr>
+                <a:t>ab Container)</a:t>
               </a:r>
             </a:p>
           </p:txBody>
@@ -7610,9 +7536,9 @@
         <p:grpSpPr>
           <a:xfrm>
             <a:off x="10676179" y="4237332"/>
-            <a:ext cx="936838" cy="291917"/>
+            <a:ext cx="994662" cy="291917"/>
             <a:chOff x="7557081" y="2339616"/>
-            <a:chExt cx="936838" cy="291917"/>
+            <a:chExt cx="994662" cy="291917"/>
           </a:xfrm>
         </p:grpSpPr>
         <p:pic>
@@ -7677,7 +7603,7 @@
           <p:spPr>
             <a:xfrm>
               <a:off x="7874795" y="2354534"/>
-              <a:ext cx="619124" cy="276999"/>
+              <a:ext cx="676948" cy="276999"/>
             </a:xfrm>
             <a:prstGeom prst="rect">
               <a:avLst/>
@@ -7695,7 +7621,7 @@
                   <a:latin typeface="Arial" panose="020B0604020202020204" pitchFamily="34" charset="0"/>
                   <a:cs typeface="Arial" panose="020B0604020202020204" pitchFamily="34" charset="0"/>
                 </a:rPr>
-                <a:t>Gitlab</a:t>
+                <a:t>GitLab</a:t>
               </a:r>
               <a:endParaRPr lang="ja-JP" altLang="en-US" sz="1200" dirty="0">
                 <a:latin typeface="Arial" panose="020B0604020202020204" pitchFamily="34" charset="0"/>
@@ -9060,3675 +8986,6 @@
     <p:extLst>
       <p:ext uri="{BB962C8B-B14F-4D97-AF65-F5344CB8AC3E}">
         <p14:creationId xmlns:p14="http://schemas.microsoft.com/office/powerpoint/2010/main" val="307820958"/>
-      </p:ext>
-    </p:extLst>
-  </p:cSld>
-  <p:clrMapOvr>
-    <a:masterClrMapping/>
-  </p:clrMapOvr>
-</p:sld>
-</file>
-
-<file path=ppt/slides/slide2.xml><?xml version="1.0" encoding="utf-8"?>
-<p:sld xmlns:a="http://schemas.openxmlformats.org/drawingml/2006/main" xmlns:r="http://schemas.openxmlformats.org/officeDocument/2006/relationships" xmlns:p="http://schemas.openxmlformats.org/presentationml/2006/main">
-  <p:cSld>
-    <p:spTree>
-      <p:nvGrpSpPr>
-        <p:cNvPr id="1" name=""/>
-        <p:cNvGrpSpPr/>
-        <p:nvPr/>
-      </p:nvGrpSpPr>
-      <p:grpSpPr>
-        <a:xfrm>
-          <a:off x="0" y="0"/>
-          <a:ext cx="0" cy="0"/>
-          <a:chOff x="0" y="0"/>
-          <a:chExt cx="0" cy="0"/>
-        </a:xfrm>
-      </p:grpSpPr>
-      <p:grpSp>
-        <p:nvGrpSpPr>
-          <p:cNvPr id="2" name="aGroupIcon" descr="Example of AWS Cloud group, represented as a rectangle with AWS logo at the top left, and AWS Cloud as a title.">
-            <a:extLst>
-              <a:ext uri="{FF2B5EF4-FFF2-40B4-BE49-F238E27FC236}">
-                <a16:creationId xmlns:a16="http://schemas.microsoft.com/office/drawing/2014/main" id="{E24FD4C4-9DD9-400F-9597-976BEB2A1CA4}"/>
-              </a:ext>
-            </a:extLst>
-          </p:cNvPr>
-          <p:cNvGrpSpPr/>
-          <p:nvPr/>
-        </p:nvGrpSpPr>
-        <p:grpSpPr>
-          <a:xfrm>
-            <a:off x="3048410" y="2123736"/>
-            <a:ext cx="10584528" cy="6362424"/>
-            <a:chOff x="4679950" y="1060931"/>
-            <a:chExt cx="10584528" cy="6362424"/>
-          </a:xfrm>
-        </p:grpSpPr>
-        <p:sp>
-          <p:nvSpPr>
-            <p:cNvPr id="3" name="Rectangle 4">
-              <a:extLst>
-                <a:ext uri="{FF2B5EF4-FFF2-40B4-BE49-F238E27FC236}">
-                  <a16:creationId xmlns:a16="http://schemas.microsoft.com/office/drawing/2014/main" id="{87D1B8B0-1ADB-1D2E-884F-C8B25367C3A9}"/>
-                </a:ext>
-              </a:extLst>
-            </p:cNvPr>
-            <p:cNvSpPr/>
-            <p:nvPr/>
-          </p:nvSpPr>
-          <p:spPr bwMode="auto">
-            <a:xfrm>
-              <a:off x="4679950" y="1063624"/>
-              <a:ext cx="10584528" cy="6359731"/>
-            </a:xfrm>
-            <a:prstGeom prst="rect">
-              <a:avLst/>
-            </a:prstGeom>
-            <a:noFill/>
-            <a:ln w="15875">
-              <a:solidFill>
-                <a:schemeClr val="tx1"/>
-              </a:solidFill>
-            </a:ln>
-          </p:spPr>
-          <p:style>
-            <a:lnRef idx="2">
-              <a:schemeClr val="accent1">
-                <a:shade val="50000"/>
-              </a:schemeClr>
-            </a:lnRef>
-            <a:fillRef idx="1">
-              <a:schemeClr val="accent1"/>
-            </a:fillRef>
-            <a:effectRef idx="0">
-              <a:schemeClr val="accent1"/>
-            </a:effectRef>
-            <a:fontRef idx="minor">
-              <a:schemeClr val="lt1"/>
-            </a:fontRef>
-          </p:style>
-          <p:txBody>
-            <a:bodyPr lIns="502920" tIns="91440"/>
-            <a:lstStyle/>
-            <a:p>
-              <a:pPr>
-                <a:defRPr/>
-              </a:pPr>
-              <a:r>
-                <a:rPr lang="en-US" sz="1200" dirty="0">
-                  <a:solidFill>
-                    <a:schemeClr val="tx1"/>
-                  </a:solidFill>
-                  <a:latin typeface="Arial" panose="020B0604020202020204" pitchFamily="34" charset="0"/>
-                  <a:cs typeface="Arial" panose="020B0604020202020204" pitchFamily="34" charset="0"/>
-                </a:rPr>
-                <a:t>AWS Cloud</a:t>
-              </a:r>
-            </a:p>
-          </p:txBody>
-        </p:sp>
-        <p:pic>
-          <p:nvPicPr>
-            <p:cNvPr id="4" name="Graphic 37">
-              <a:extLst>
-                <a:ext uri="{FF2B5EF4-FFF2-40B4-BE49-F238E27FC236}">
-                  <a16:creationId xmlns:a16="http://schemas.microsoft.com/office/drawing/2014/main" id="{08D1933F-9D1E-B11E-4BEE-768C59E9E0A2}"/>
-                </a:ext>
-                <a:ext uri="{C183D7F6-B498-43B3-948B-1728B52AA6E4}">
-                  <adec:decorative xmlns:adec="http://schemas.microsoft.com/office/drawing/2017/decorative" val="1"/>
-                </a:ext>
-              </a:extLst>
-            </p:cNvPr>
-            <p:cNvPicPr>
-              <a:picLocks noChangeAspect="1"/>
-            </p:cNvPicPr>
-            <p:nvPr/>
-          </p:nvPicPr>
-          <p:blipFill>
-            <a:blip r:embed="rId3">
-              <a:extLst>
-                <a:ext uri="{96DAC541-7B7A-43D3-8B79-37D633B846F1}">
-                  <asvg:svgBlip xmlns:asvg="http://schemas.microsoft.com/office/drawing/2016/SVG/main" r:embed="rId4"/>
-                </a:ext>
-              </a:extLst>
-            </a:blip>
-            <a:srcRect/>
-            <a:stretch/>
-          </p:blipFill>
-          <p:spPr>
-            <a:xfrm>
-              <a:off x="4679950" y="1060931"/>
-              <a:ext cx="381000" cy="381000"/>
-            </a:xfrm>
-            <a:prstGeom prst="rect">
-              <a:avLst/>
-            </a:prstGeom>
-          </p:spPr>
-        </p:pic>
-      </p:grpSp>
-      <p:grpSp>
-        <p:nvGrpSpPr>
-          <p:cNvPr id="5" name="nestedGroup" descr="This Virtual Private Cloud (VPC) group is within the AWS Cloud group. The group spans availability zone 1 and 2, and some other services.">
-            <a:extLst>
-              <a:ext uri="{FF2B5EF4-FFF2-40B4-BE49-F238E27FC236}">
-                <a16:creationId xmlns:a16="http://schemas.microsoft.com/office/drawing/2014/main" id="{1B15B84B-A6A3-D99B-17AA-44E0BE9771C4}"/>
-              </a:ext>
-            </a:extLst>
-          </p:cNvPr>
-          <p:cNvGrpSpPr/>
-          <p:nvPr/>
-        </p:nvGrpSpPr>
-        <p:grpSpPr>
-          <a:xfrm>
-            <a:off x="3429412" y="2893368"/>
-            <a:ext cx="9947889" cy="3863851"/>
-            <a:chOff x="4752974" y="1934055"/>
-            <a:chExt cx="9947889" cy="3863851"/>
-          </a:xfrm>
-        </p:grpSpPr>
-        <p:sp>
-          <p:nvSpPr>
-            <p:cNvPr id="6" name="Rectangle 3">
-              <a:extLst>
-                <a:ext uri="{FF2B5EF4-FFF2-40B4-BE49-F238E27FC236}">
-                  <a16:creationId xmlns:a16="http://schemas.microsoft.com/office/drawing/2014/main" id="{FD118E84-EFC2-F913-10E0-73B1338420B3}"/>
-                </a:ext>
-                <a:ext uri="{C183D7F6-B498-43B3-948B-1728B52AA6E4}">
-                  <adec:decorative xmlns:adec="http://schemas.microsoft.com/office/drawing/2017/decorative" val="1"/>
-                </a:ext>
-              </a:extLst>
-            </p:cNvPr>
-            <p:cNvSpPr/>
-            <p:nvPr/>
-          </p:nvSpPr>
-          <p:spPr bwMode="auto">
-            <a:xfrm>
-              <a:off x="4752974" y="1936750"/>
-              <a:ext cx="9947889" cy="3861156"/>
-            </a:xfrm>
-            <a:prstGeom prst="rect">
-              <a:avLst/>
-            </a:prstGeom>
-            <a:noFill/>
-            <a:ln w="15875">
-              <a:solidFill>
-                <a:srgbClr val="8C4FFF"/>
-              </a:solidFill>
-            </a:ln>
-          </p:spPr>
-          <p:style>
-            <a:lnRef idx="2">
-              <a:schemeClr val="accent1">
-                <a:shade val="50000"/>
-              </a:schemeClr>
-            </a:lnRef>
-            <a:fillRef idx="1">
-              <a:schemeClr val="accent1"/>
-            </a:fillRef>
-            <a:effectRef idx="0">
-              <a:schemeClr val="accent1"/>
-            </a:effectRef>
-            <a:fontRef idx="minor">
-              <a:schemeClr val="lt1"/>
-            </a:fontRef>
-          </p:style>
-          <p:txBody>
-            <a:bodyPr lIns="502920" tIns="91440"/>
-            <a:lstStyle/>
-            <a:p>
-              <a:pPr>
-                <a:defRPr/>
-              </a:pPr>
-              <a:r>
-                <a:rPr lang="en-US" altLang="ja-JP" sz="1200" dirty="0">
-                  <a:ln w="0"/>
-                  <a:solidFill>
-                    <a:schemeClr val="tx1"/>
-                  </a:solidFill>
-                  <a:latin typeface="Arial" panose="020B0604020202020204" pitchFamily="34" charset="0"/>
-                  <a:cs typeface="Arial" panose="020B0604020202020204" pitchFamily="34" charset="0"/>
-                </a:rPr>
-                <a:t>VPC</a:t>
-              </a:r>
-              <a:endParaRPr lang="en-US" sz="1200" dirty="0">
-                <a:ln w="0"/>
-                <a:solidFill>
-                  <a:schemeClr val="tx1"/>
-                </a:solidFill>
-                <a:latin typeface="Arial" panose="020B0604020202020204" pitchFamily="34" charset="0"/>
-                <a:cs typeface="Arial" panose="020B0604020202020204" pitchFamily="34" charset="0"/>
-              </a:endParaRPr>
-            </a:p>
-          </p:txBody>
-        </p:sp>
-        <p:pic>
-          <p:nvPicPr>
-            <p:cNvPr id="7" name="Graphic 38" descr="VPC group icon.">
-              <a:extLst>
-                <a:ext uri="{FF2B5EF4-FFF2-40B4-BE49-F238E27FC236}">
-                  <a16:creationId xmlns:a16="http://schemas.microsoft.com/office/drawing/2014/main" id="{875B8982-FDC0-F9D5-F67E-EE892A6FB935}"/>
-                </a:ext>
-              </a:extLst>
-            </p:cNvPr>
-            <p:cNvPicPr>
-              <a:picLocks noChangeAspect="1"/>
-            </p:cNvPicPr>
-            <p:nvPr/>
-          </p:nvPicPr>
-          <p:blipFill>
-            <a:blip r:embed="rId5">
-              <a:extLst>
-                <a:ext uri="{96DAC541-7B7A-43D3-8B79-37D633B846F1}">
-                  <asvg:svgBlip xmlns:asvg="http://schemas.microsoft.com/office/drawing/2016/SVG/main" r:embed="rId6"/>
-                </a:ext>
-              </a:extLst>
-            </a:blip>
-            <a:srcRect/>
-            <a:stretch/>
-          </p:blipFill>
-          <p:spPr>
-            <a:xfrm>
-              <a:off x="4754563" y="1934055"/>
-              <a:ext cx="381000" cy="381000"/>
-            </a:xfrm>
-            <a:prstGeom prst="rect">
-              <a:avLst/>
-            </a:prstGeom>
-          </p:spPr>
-        </p:pic>
-      </p:grpSp>
-      <p:grpSp>
-        <p:nvGrpSpPr>
-          <p:cNvPr id="15" name="1.natGateway" descr="First Nat gateway resource icon, with the Nate gateway label below it. The resource is in Availability Zone 1.">
-            <a:extLst>
-              <a:ext uri="{FF2B5EF4-FFF2-40B4-BE49-F238E27FC236}">
-                <a16:creationId xmlns:a16="http://schemas.microsoft.com/office/drawing/2014/main" id="{D661782B-15F6-95E6-9CAE-EFA01DDB7D01}"/>
-              </a:ext>
-            </a:extLst>
-          </p:cNvPr>
-          <p:cNvGrpSpPr/>
-          <p:nvPr/>
-        </p:nvGrpSpPr>
-        <p:grpSpPr>
-          <a:xfrm>
-            <a:off x="6043987" y="3745474"/>
-            <a:ext cx="1234766" cy="735786"/>
-            <a:chOff x="3959051" y="3922713"/>
-            <a:chExt cx="1234766" cy="735786"/>
-          </a:xfrm>
-        </p:grpSpPr>
-        <p:sp>
-          <p:nvSpPr>
-            <p:cNvPr id="16" name="TextBox 17">
-              <a:extLst>
-                <a:ext uri="{FF2B5EF4-FFF2-40B4-BE49-F238E27FC236}">
-                  <a16:creationId xmlns:a16="http://schemas.microsoft.com/office/drawing/2014/main" id="{813B8DCB-C072-3664-6B6F-47D6876A89AB}"/>
-                </a:ext>
-                <a:ext uri="{C183D7F6-B498-43B3-948B-1728B52AA6E4}">
-                  <adec:decorative xmlns:adec="http://schemas.microsoft.com/office/drawing/2017/decorative" val="1"/>
-                </a:ext>
-              </a:extLst>
-            </p:cNvPr>
-            <p:cNvSpPr txBox="1">
-              <a:spLocks noChangeArrowheads="1"/>
-            </p:cNvSpPr>
-            <p:nvPr/>
-          </p:nvSpPr>
-          <p:spPr bwMode="auto">
-            <a:xfrm>
-              <a:off x="3959051" y="4381500"/>
-              <a:ext cx="1234766" cy="276999"/>
-            </a:xfrm>
-            <a:prstGeom prst="rect">
-              <a:avLst/>
-            </a:prstGeom>
-            <a:noFill/>
-            <a:ln>
-              <a:noFill/>
-            </a:ln>
-            <a:extLst>
-              <a:ext uri="{909E8E84-426E-40DD-AFC4-6F175D3DCCD1}">
-                <a14:hiddenFill xmlns:a14="http://schemas.microsoft.com/office/drawing/2010/main">
-                  <a:solidFill>
-                    <a:srgbClr val="FFFFFF"/>
-                  </a:solidFill>
-                </a14:hiddenFill>
-              </a:ext>
-              <a:ext uri="{91240B29-F687-4F45-9708-019B960494DF}">
-                <a14:hiddenLine xmlns:a14="http://schemas.microsoft.com/office/drawing/2010/main" w="9525">
-                  <a:solidFill>
-                    <a:srgbClr val="000000"/>
-                  </a:solidFill>
-                  <a:miter lim="800000"/>
-                  <a:headEnd/>
-                  <a:tailEnd/>
-                </a14:hiddenLine>
-              </a:ext>
-            </a:extLst>
-          </p:spPr>
-          <p:txBody>
-            <a:bodyPr wrap="square">
-              <a:spAutoFit/>
-            </a:bodyPr>
-            <a:lstStyle>
-              <a:lvl1pPr>
-                <a:defRPr>
-                  <a:solidFill>
-                    <a:schemeClr val="tx1"/>
-                  </a:solidFill>
-                  <a:latin typeface="Calibri" panose="020F0502020204030204" pitchFamily="34" charset="0"/>
-                </a:defRPr>
-              </a:lvl1pPr>
-              <a:lvl2pPr marL="742950" indent="-285750">
-                <a:defRPr>
-                  <a:solidFill>
-                    <a:schemeClr val="tx1"/>
-                  </a:solidFill>
-                  <a:latin typeface="Calibri" panose="020F0502020204030204" pitchFamily="34" charset="0"/>
-                </a:defRPr>
-              </a:lvl2pPr>
-              <a:lvl3pPr marL="1143000" indent="-228600">
-                <a:defRPr>
-                  <a:solidFill>
-                    <a:schemeClr val="tx1"/>
-                  </a:solidFill>
-                  <a:latin typeface="Calibri" panose="020F0502020204030204" pitchFamily="34" charset="0"/>
-                </a:defRPr>
-              </a:lvl3pPr>
-              <a:lvl4pPr marL="1600200" indent="-228600">
-                <a:defRPr>
-                  <a:solidFill>
-                    <a:schemeClr val="tx1"/>
-                  </a:solidFill>
-                  <a:latin typeface="Calibri" panose="020F0502020204030204" pitchFamily="34" charset="0"/>
-                </a:defRPr>
-              </a:lvl4pPr>
-              <a:lvl5pPr marL="2057400" indent="-228600">
-                <a:defRPr>
-                  <a:solidFill>
-                    <a:schemeClr val="tx1"/>
-                  </a:solidFill>
-                  <a:latin typeface="Calibri" panose="020F0502020204030204" pitchFamily="34" charset="0"/>
-                </a:defRPr>
-              </a:lvl5pPr>
-              <a:lvl6pPr marL="2514600" indent="-228600" eaLnBrk="0" fontAlgn="base" hangingPunct="0">
-                <a:spcBef>
-                  <a:spcPct val="0"/>
-                </a:spcBef>
-                <a:spcAft>
-                  <a:spcPct val="0"/>
-                </a:spcAft>
-                <a:defRPr>
-                  <a:solidFill>
-                    <a:schemeClr val="tx1"/>
-                  </a:solidFill>
-                  <a:latin typeface="Calibri" panose="020F0502020204030204" pitchFamily="34" charset="0"/>
-                </a:defRPr>
-              </a:lvl6pPr>
-              <a:lvl7pPr marL="2971800" indent="-228600" eaLnBrk="0" fontAlgn="base" hangingPunct="0">
-                <a:spcBef>
-                  <a:spcPct val="0"/>
-                </a:spcBef>
-                <a:spcAft>
-                  <a:spcPct val="0"/>
-                </a:spcAft>
-                <a:defRPr>
-                  <a:solidFill>
-                    <a:schemeClr val="tx1"/>
-                  </a:solidFill>
-                  <a:latin typeface="Calibri" panose="020F0502020204030204" pitchFamily="34" charset="0"/>
-                </a:defRPr>
-              </a:lvl7pPr>
-              <a:lvl8pPr marL="3429000" indent="-228600" eaLnBrk="0" fontAlgn="base" hangingPunct="0">
-                <a:spcBef>
-                  <a:spcPct val="0"/>
-                </a:spcBef>
-                <a:spcAft>
-                  <a:spcPct val="0"/>
-                </a:spcAft>
-                <a:defRPr>
-                  <a:solidFill>
-                    <a:schemeClr val="tx1"/>
-                  </a:solidFill>
-                  <a:latin typeface="Calibri" panose="020F0502020204030204" pitchFamily="34" charset="0"/>
-                </a:defRPr>
-              </a:lvl8pPr>
-              <a:lvl9pPr marL="3886200" indent="-228600" eaLnBrk="0" fontAlgn="base" hangingPunct="0">
-                <a:spcBef>
-                  <a:spcPct val="0"/>
-                </a:spcBef>
-                <a:spcAft>
-                  <a:spcPct val="0"/>
-                </a:spcAft>
-                <a:defRPr>
-                  <a:solidFill>
-                    <a:schemeClr val="tx1"/>
-                  </a:solidFill>
-                  <a:latin typeface="Calibri" panose="020F0502020204030204" pitchFamily="34" charset="0"/>
-                </a:defRPr>
-              </a:lvl9pPr>
-            </a:lstStyle>
-            <a:p>
-              <a:pPr algn="ctr" eaLnBrk="1" hangingPunct="1"/>
-              <a:r>
-                <a:rPr lang="en-US" altLang="en-US" sz="1200" dirty="0">
-                  <a:latin typeface="Arial" panose="020B0604020202020204" pitchFamily="34" charset="0"/>
-                  <a:ea typeface="Amazon Ember" panose="020B0603020204020204" pitchFamily="34" charset="0"/>
-                  <a:cs typeface="Arial" panose="020B0604020202020204" pitchFamily="34" charset="0"/>
-                </a:rPr>
-                <a:t>NAT gateway</a:t>
-              </a:r>
-            </a:p>
-          </p:txBody>
-        </p:sp>
-        <p:pic>
-          <p:nvPicPr>
-            <p:cNvPr id="17" name="Graphic 35">
-              <a:extLst>
-                <a:ext uri="{FF2B5EF4-FFF2-40B4-BE49-F238E27FC236}">
-                  <a16:creationId xmlns:a16="http://schemas.microsoft.com/office/drawing/2014/main" id="{58EE75DB-EFAB-66A7-843C-45A1E78F3BD6}"/>
-                </a:ext>
-                <a:ext uri="{C183D7F6-B498-43B3-948B-1728B52AA6E4}">
-                  <adec:decorative xmlns:adec="http://schemas.microsoft.com/office/drawing/2017/decorative" val="1"/>
-                </a:ext>
-              </a:extLst>
-            </p:cNvPr>
-            <p:cNvPicPr>
-              <a:picLocks noChangeAspect="1" noChangeArrowheads="1"/>
-            </p:cNvPicPr>
-            <p:nvPr/>
-          </p:nvPicPr>
-          <p:blipFill>
-            <a:blip r:embed="rId7">
-              <a:extLst>
-                <a:ext uri="{96DAC541-7B7A-43D3-8B79-37D633B846F1}">
-                  <asvg:svgBlip xmlns:asvg="http://schemas.microsoft.com/office/drawing/2016/SVG/main" r:embed="rId8"/>
-                </a:ext>
-              </a:extLst>
-            </a:blip>
-            <a:srcRect/>
-            <a:stretch/>
-          </p:blipFill>
-          <p:spPr bwMode="auto">
-            <a:xfrm>
-              <a:off x="4355307" y="3922713"/>
-              <a:ext cx="457200" cy="457200"/>
-            </a:xfrm>
-            <a:prstGeom prst="rect">
-              <a:avLst/>
-            </a:prstGeom>
-            <a:noFill/>
-            <a:ln>
-              <a:noFill/>
-            </a:ln>
-            <a:extLst>
-              <a:ext uri="{909E8E84-426E-40DD-AFC4-6F175D3DCCD1}">
-                <a14:hiddenFill xmlns:a14="http://schemas.microsoft.com/office/drawing/2010/main">
-                  <a:solidFill>
-                    <a:srgbClr val="FFFFFF"/>
-                  </a:solidFill>
-                </a14:hiddenFill>
-              </a:ext>
-              <a:ext uri="{91240B29-F687-4F45-9708-019B960494DF}">
-                <a14:hiddenLine xmlns:a14="http://schemas.microsoft.com/office/drawing/2010/main" w="9525">
-                  <a:solidFill>
-                    <a:srgbClr val="000000"/>
-                  </a:solidFill>
-                  <a:miter lim="800000"/>
-                  <a:headEnd/>
-                  <a:tailEnd/>
-                </a14:hiddenLine>
-              </a:ext>
-            </a:extLst>
-          </p:spPr>
-        </p:pic>
-      </p:grpSp>
-      <p:grpSp>
-        <p:nvGrpSpPr>
-          <p:cNvPr id="39" name="Group 8" descr="Private subnet group.">
-            <a:extLst>
-              <a:ext uri="{FF2B5EF4-FFF2-40B4-BE49-F238E27FC236}">
-                <a16:creationId xmlns:a16="http://schemas.microsoft.com/office/drawing/2014/main" id="{C0BA3FF1-0E1A-A373-5BD1-90C00F1FB39E}"/>
-              </a:ext>
-            </a:extLst>
-          </p:cNvPr>
-          <p:cNvGrpSpPr/>
-          <p:nvPr/>
-        </p:nvGrpSpPr>
-        <p:grpSpPr>
-          <a:xfrm>
-            <a:off x="8206152" y="3577767"/>
-            <a:ext cx="4907829" cy="2886031"/>
-            <a:chOff x="4215621" y="2618864"/>
-            <a:chExt cx="4907829" cy="2886030"/>
-          </a:xfrm>
-        </p:grpSpPr>
-        <p:sp>
-          <p:nvSpPr>
-            <p:cNvPr id="40" name="Rectangle 71">
-              <a:extLst>
-                <a:ext uri="{FF2B5EF4-FFF2-40B4-BE49-F238E27FC236}">
-                  <a16:creationId xmlns:a16="http://schemas.microsoft.com/office/drawing/2014/main" id="{E07F3227-542C-CB7D-A1FB-09219556DD79}"/>
-                </a:ext>
-              </a:extLst>
-            </p:cNvPr>
-            <p:cNvSpPr/>
-            <p:nvPr/>
-          </p:nvSpPr>
-          <p:spPr>
-            <a:xfrm>
-              <a:off x="4215621" y="2618864"/>
-              <a:ext cx="4907829" cy="2886030"/>
-            </a:xfrm>
-            <a:prstGeom prst="rect">
-              <a:avLst/>
-            </a:prstGeom>
-            <a:noFill/>
-            <a:ln w="15875">
-              <a:solidFill>
-                <a:srgbClr val="00A4A6"/>
-              </a:solidFill>
-              <a:prstDash val="solid"/>
-            </a:ln>
-          </p:spPr>
-          <p:style>
-            <a:lnRef idx="2">
-              <a:schemeClr val="accent1">
-                <a:shade val="50000"/>
-              </a:schemeClr>
-            </a:lnRef>
-            <a:fillRef idx="1">
-              <a:schemeClr val="accent1"/>
-            </a:fillRef>
-            <a:effectRef idx="0">
-              <a:schemeClr val="accent1"/>
-            </a:effectRef>
-            <a:fontRef idx="minor">
-              <a:schemeClr val="lt1"/>
-            </a:fontRef>
-          </p:style>
-          <p:txBody>
-            <a:bodyPr lIns="502920" tIns="91440" bIns="45720"/>
-            <a:lstStyle/>
-            <a:p>
-              <a:pPr>
-                <a:defRPr/>
-              </a:pPr>
-              <a:r>
-                <a:rPr lang="en-US" sz="1200" dirty="0">
-                  <a:solidFill>
-                    <a:schemeClr val="tx1"/>
-                  </a:solidFill>
-                  <a:latin typeface="Arial" panose="020B0604020202020204" pitchFamily="34" charset="0"/>
-                  <a:cs typeface="Arial" panose="020B0604020202020204" pitchFamily="34" charset="0"/>
-                </a:rPr>
-                <a:t>Private subnet</a:t>
-              </a:r>
-            </a:p>
-          </p:txBody>
-        </p:sp>
-        <p:pic>
-          <p:nvPicPr>
-            <p:cNvPr id="41" name="Graphic 72" descr="Private subnet group icon. ">
-              <a:extLst>
-                <a:ext uri="{FF2B5EF4-FFF2-40B4-BE49-F238E27FC236}">
-                  <a16:creationId xmlns:a16="http://schemas.microsoft.com/office/drawing/2014/main" id="{12E40F64-09C3-2996-306A-6A5702F28822}"/>
-                </a:ext>
-              </a:extLst>
-            </p:cNvPr>
-            <p:cNvPicPr>
-              <a:picLocks noChangeAspect="1"/>
-            </p:cNvPicPr>
-            <p:nvPr/>
-          </p:nvPicPr>
-          <p:blipFill>
-            <a:blip r:embed="rId9">
-              <a:extLst>
-                <a:ext uri="{96DAC541-7B7A-43D3-8B79-37D633B846F1}">
-                  <asvg:svgBlip xmlns:asvg="http://schemas.microsoft.com/office/drawing/2016/SVG/main" r:embed="rId10"/>
-                </a:ext>
-              </a:extLst>
-            </a:blip>
-            <a:srcRect/>
-            <a:stretch/>
-          </p:blipFill>
-          <p:spPr>
-            <a:xfrm>
-              <a:off x="4215623" y="2618865"/>
-              <a:ext cx="381000" cy="381000"/>
-            </a:xfrm>
-            <a:prstGeom prst="rect">
-              <a:avLst/>
-            </a:prstGeom>
-          </p:spPr>
-        </p:pic>
-      </p:grpSp>
-      <p:grpSp>
-        <p:nvGrpSpPr>
-          <p:cNvPr id="42" name="Group 9" descr="Public subnet group.">
-            <a:extLst>
-              <a:ext uri="{FF2B5EF4-FFF2-40B4-BE49-F238E27FC236}">
-                <a16:creationId xmlns:a16="http://schemas.microsoft.com/office/drawing/2014/main" id="{211ED47B-AB47-7E4B-6F9E-0D481CD35BD5}"/>
-              </a:ext>
-            </a:extLst>
-          </p:cNvPr>
-          <p:cNvGrpSpPr/>
-          <p:nvPr/>
-        </p:nvGrpSpPr>
-        <p:grpSpPr>
-          <a:xfrm>
-            <a:off x="4614327" y="3577769"/>
-            <a:ext cx="2537154" cy="2886031"/>
-            <a:chOff x="6147454" y="2618865"/>
-            <a:chExt cx="2537154" cy="2497935"/>
-          </a:xfrm>
-        </p:grpSpPr>
-        <p:sp>
-          <p:nvSpPr>
-            <p:cNvPr id="43" name="Rectangle 73">
-              <a:extLst>
-                <a:ext uri="{FF2B5EF4-FFF2-40B4-BE49-F238E27FC236}">
-                  <a16:creationId xmlns:a16="http://schemas.microsoft.com/office/drawing/2014/main" id="{F676AF6A-02E7-9012-84B0-CE9771D4A524}"/>
-                </a:ext>
-              </a:extLst>
-            </p:cNvPr>
-            <p:cNvSpPr/>
-            <p:nvPr/>
-          </p:nvSpPr>
-          <p:spPr>
-            <a:xfrm>
-              <a:off x="6147454" y="2618866"/>
-              <a:ext cx="2537154" cy="2497934"/>
-            </a:xfrm>
-            <a:prstGeom prst="rect">
-              <a:avLst/>
-            </a:prstGeom>
-            <a:noFill/>
-            <a:ln w="15875">
-              <a:solidFill>
-                <a:srgbClr val="7AA116"/>
-              </a:solidFill>
-              <a:prstDash val="solid"/>
-            </a:ln>
-          </p:spPr>
-          <p:style>
-            <a:lnRef idx="2">
-              <a:schemeClr val="accent1">
-                <a:shade val="50000"/>
-              </a:schemeClr>
-            </a:lnRef>
-            <a:fillRef idx="1">
-              <a:schemeClr val="accent1"/>
-            </a:fillRef>
-            <a:effectRef idx="0">
-              <a:schemeClr val="accent1"/>
-            </a:effectRef>
-            <a:fontRef idx="minor">
-              <a:schemeClr val="lt1"/>
-            </a:fontRef>
-          </p:style>
-          <p:txBody>
-            <a:bodyPr lIns="502920" tIns="91440" bIns="45720"/>
-            <a:lstStyle/>
-            <a:p>
-              <a:pPr>
-                <a:defRPr/>
-              </a:pPr>
-              <a:r>
-                <a:rPr lang="en-US" sz="1200" dirty="0">
-                  <a:solidFill>
-                    <a:schemeClr val="tx1"/>
-                  </a:solidFill>
-                  <a:latin typeface="Arial" panose="020B0604020202020204" pitchFamily="34" charset="0"/>
-                  <a:cs typeface="Arial" panose="020B0604020202020204" pitchFamily="34" charset="0"/>
-                </a:rPr>
-                <a:t>Public subnet</a:t>
-              </a:r>
-            </a:p>
-          </p:txBody>
-        </p:sp>
-        <p:pic>
-          <p:nvPicPr>
-            <p:cNvPr id="44" name="Graphic 74" descr="Public subnet group icon. ">
-              <a:extLst>
-                <a:ext uri="{FF2B5EF4-FFF2-40B4-BE49-F238E27FC236}">
-                  <a16:creationId xmlns:a16="http://schemas.microsoft.com/office/drawing/2014/main" id="{64808F35-4C4F-5C1E-7425-84DB8A7E906F}"/>
-                </a:ext>
-              </a:extLst>
-            </p:cNvPr>
-            <p:cNvPicPr>
-              <a:picLocks noChangeAspect="1"/>
-            </p:cNvPicPr>
-            <p:nvPr/>
-          </p:nvPicPr>
-          <p:blipFill>
-            <a:blip r:embed="rId11">
-              <a:extLst>
-                <a:ext uri="{96DAC541-7B7A-43D3-8B79-37D633B846F1}">
-                  <asvg:svgBlip xmlns:asvg="http://schemas.microsoft.com/office/drawing/2016/SVG/main" r:embed="rId12"/>
-                </a:ext>
-              </a:extLst>
-            </a:blip>
-            <a:srcRect/>
-            <a:stretch/>
-          </p:blipFill>
-          <p:spPr>
-            <a:xfrm>
-              <a:off x="6147454" y="2618865"/>
-              <a:ext cx="381000" cy="381000"/>
-            </a:xfrm>
-            <a:prstGeom prst="rect">
-              <a:avLst/>
-            </a:prstGeom>
-          </p:spPr>
-        </p:pic>
-      </p:grpSp>
-      <p:grpSp>
-        <p:nvGrpSpPr>
-          <p:cNvPr id="52" name="グループ化 51">
-            <a:extLst>
-              <a:ext uri="{FF2B5EF4-FFF2-40B4-BE49-F238E27FC236}">
-                <a16:creationId xmlns:a16="http://schemas.microsoft.com/office/drawing/2014/main" id="{BF3FCA2F-EE88-F0B4-FA61-62D0BABF30BC}"/>
-              </a:ext>
-            </a:extLst>
-          </p:cNvPr>
-          <p:cNvGrpSpPr/>
-          <p:nvPr/>
-        </p:nvGrpSpPr>
-        <p:grpSpPr>
-          <a:xfrm>
-            <a:off x="8090928" y="4587338"/>
-            <a:ext cx="2290762" cy="1038999"/>
-            <a:chOff x="5032204" y="3908550"/>
-            <a:chExt cx="2290762" cy="1038999"/>
-          </a:xfrm>
-        </p:grpSpPr>
-        <p:pic>
-          <p:nvPicPr>
-            <p:cNvPr id="47" name="Graphic 18" descr="Amazon Elastic Container Service (Amazon ECS) service icon.">
-              <a:extLst>
-                <a:ext uri="{FF2B5EF4-FFF2-40B4-BE49-F238E27FC236}">
-                  <a16:creationId xmlns:a16="http://schemas.microsoft.com/office/drawing/2014/main" id="{10CAF2F8-63B4-8CF5-D980-4ACA627C27FE}"/>
-                </a:ext>
-              </a:extLst>
-            </p:cNvPr>
-            <p:cNvPicPr>
-              <a:picLocks noChangeAspect="1" noChangeArrowheads="1"/>
-            </p:cNvPicPr>
-            <p:nvPr/>
-          </p:nvPicPr>
-          <p:blipFill>
-            <a:blip r:embed="rId13">
-              <a:extLst>
-                <a:ext uri="{96DAC541-7B7A-43D3-8B79-37D633B846F1}">
-                  <asvg:svgBlip xmlns:asvg="http://schemas.microsoft.com/office/drawing/2016/SVG/main" r:embed="rId14"/>
-                </a:ext>
-              </a:extLst>
-            </a:blip>
-            <a:srcRect/>
-            <a:stretch/>
-          </p:blipFill>
-          <p:spPr bwMode="auto">
-            <a:xfrm>
-              <a:off x="5802141" y="3908550"/>
-              <a:ext cx="762000" cy="762000"/>
-            </a:xfrm>
-            <a:prstGeom prst="rect">
-              <a:avLst/>
-            </a:prstGeom>
-            <a:noFill/>
-            <a:ln>
-              <a:noFill/>
-            </a:ln>
-            <a:extLst>
-              <a:ext uri="{909E8E84-426E-40DD-AFC4-6F175D3DCCD1}">
-                <a14:hiddenFill xmlns:a14="http://schemas.microsoft.com/office/drawing/2010/main">
-                  <a:solidFill>
-                    <a:srgbClr val="FFFFFF"/>
-                  </a:solidFill>
-                </a14:hiddenFill>
-              </a:ext>
-              <a:ext uri="{91240B29-F687-4F45-9708-019B960494DF}">
-                <a14:hiddenLine xmlns:a14="http://schemas.microsoft.com/office/drawing/2010/main" w="9525">
-                  <a:solidFill>
-                    <a:srgbClr val="000000"/>
-                  </a:solidFill>
-                  <a:miter lim="800000"/>
-                  <a:headEnd/>
-                  <a:tailEnd/>
-                </a14:hiddenLine>
-              </a:ext>
-            </a:extLst>
-          </p:spPr>
-        </p:pic>
-        <p:sp>
-          <p:nvSpPr>
-            <p:cNvPr id="48" name="TextBox 24">
-              <a:extLst>
-                <a:ext uri="{FF2B5EF4-FFF2-40B4-BE49-F238E27FC236}">
-                  <a16:creationId xmlns:a16="http://schemas.microsoft.com/office/drawing/2014/main" id="{4B3DB62E-D137-0DF0-933E-B4BD1AE3B7AC}"/>
-                </a:ext>
-              </a:extLst>
-            </p:cNvPr>
-            <p:cNvSpPr txBox="1">
-              <a:spLocks noChangeArrowheads="1"/>
-            </p:cNvSpPr>
-            <p:nvPr/>
-          </p:nvSpPr>
-          <p:spPr bwMode="auto">
-            <a:xfrm>
-              <a:off x="5032204" y="4670550"/>
-              <a:ext cx="2290762" cy="276999"/>
-            </a:xfrm>
-            <a:prstGeom prst="rect">
-              <a:avLst/>
-            </a:prstGeom>
-            <a:noFill/>
-            <a:ln>
-              <a:noFill/>
-            </a:ln>
-            <a:extLst>
-              <a:ext uri="{909E8E84-426E-40DD-AFC4-6F175D3DCCD1}">
-                <a14:hiddenFill xmlns:a14="http://schemas.microsoft.com/office/drawing/2010/main">
-                  <a:solidFill>
-                    <a:srgbClr val="FFFFFF"/>
-                  </a:solidFill>
-                </a14:hiddenFill>
-              </a:ext>
-              <a:ext uri="{91240B29-F687-4F45-9708-019B960494DF}">
-                <a14:hiddenLine xmlns:a14="http://schemas.microsoft.com/office/drawing/2010/main" w="9525">
-                  <a:solidFill>
-                    <a:srgbClr val="000000"/>
-                  </a:solidFill>
-                  <a:miter lim="800000"/>
-                  <a:headEnd/>
-                  <a:tailEnd/>
-                </a14:hiddenLine>
-              </a:ext>
-            </a:extLst>
-          </p:spPr>
-          <p:txBody>
-            <a:bodyPr>
-              <a:spAutoFit/>
-            </a:bodyPr>
-            <a:lstStyle>
-              <a:lvl1pPr>
-                <a:defRPr>
-                  <a:solidFill>
-                    <a:schemeClr val="tx1"/>
-                  </a:solidFill>
-                  <a:latin typeface="Calibri" panose="020F0502020204030204" pitchFamily="34" charset="0"/>
-                </a:defRPr>
-              </a:lvl1pPr>
-              <a:lvl2pPr marL="742950" indent="-285750">
-                <a:defRPr>
-                  <a:solidFill>
-                    <a:schemeClr val="tx1"/>
-                  </a:solidFill>
-                  <a:latin typeface="Calibri" panose="020F0502020204030204" pitchFamily="34" charset="0"/>
-                </a:defRPr>
-              </a:lvl2pPr>
-              <a:lvl3pPr marL="1143000" indent="-228600">
-                <a:defRPr>
-                  <a:solidFill>
-                    <a:schemeClr val="tx1"/>
-                  </a:solidFill>
-                  <a:latin typeface="Calibri" panose="020F0502020204030204" pitchFamily="34" charset="0"/>
-                </a:defRPr>
-              </a:lvl3pPr>
-              <a:lvl4pPr marL="1600200" indent="-228600">
-                <a:defRPr>
-                  <a:solidFill>
-                    <a:schemeClr val="tx1"/>
-                  </a:solidFill>
-                  <a:latin typeface="Calibri" panose="020F0502020204030204" pitchFamily="34" charset="0"/>
-                </a:defRPr>
-              </a:lvl4pPr>
-              <a:lvl5pPr marL="2057400" indent="-228600">
-                <a:defRPr>
-                  <a:solidFill>
-                    <a:schemeClr val="tx1"/>
-                  </a:solidFill>
-                  <a:latin typeface="Calibri" panose="020F0502020204030204" pitchFamily="34" charset="0"/>
-                </a:defRPr>
-              </a:lvl5pPr>
-              <a:lvl6pPr marL="2514600" indent="-228600" eaLnBrk="0" fontAlgn="base" hangingPunct="0">
-                <a:spcBef>
-                  <a:spcPct val="0"/>
-                </a:spcBef>
-                <a:spcAft>
-                  <a:spcPct val="0"/>
-                </a:spcAft>
-                <a:defRPr>
-                  <a:solidFill>
-                    <a:schemeClr val="tx1"/>
-                  </a:solidFill>
-                  <a:latin typeface="Calibri" panose="020F0502020204030204" pitchFamily="34" charset="0"/>
-                </a:defRPr>
-              </a:lvl6pPr>
-              <a:lvl7pPr marL="2971800" indent="-228600" eaLnBrk="0" fontAlgn="base" hangingPunct="0">
-                <a:spcBef>
-                  <a:spcPct val="0"/>
-                </a:spcBef>
-                <a:spcAft>
-                  <a:spcPct val="0"/>
-                </a:spcAft>
-                <a:defRPr>
-                  <a:solidFill>
-                    <a:schemeClr val="tx1"/>
-                  </a:solidFill>
-                  <a:latin typeface="Calibri" panose="020F0502020204030204" pitchFamily="34" charset="0"/>
-                </a:defRPr>
-              </a:lvl7pPr>
-              <a:lvl8pPr marL="3429000" indent="-228600" eaLnBrk="0" fontAlgn="base" hangingPunct="0">
-                <a:spcBef>
-                  <a:spcPct val="0"/>
-                </a:spcBef>
-                <a:spcAft>
-                  <a:spcPct val="0"/>
-                </a:spcAft>
-                <a:defRPr>
-                  <a:solidFill>
-                    <a:schemeClr val="tx1"/>
-                  </a:solidFill>
-                  <a:latin typeface="Calibri" panose="020F0502020204030204" pitchFamily="34" charset="0"/>
-                </a:defRPr>
-              </a:lvl8pPr>
-              <a:lvl9pPr marL="3886200" indent="-228600" eaLnBrk="0" fontAlgn="base" hangingPunct="0">
-                <a:spcBef>
-                  <a:spcPct val="0"/>
-                </a:spcBef>
-                <a:spcAft>
-                  <a:spcPct val="0"/>
-                </a:spcAft>
-                <a:defRPr>
-                  <a:solidFill>
-                    <a:schemeClr val="tx1"/>
-                  </a:solidFill>
-                  <a:latin typeface="Calibri" panose="020F0502020204030204" pitchFamily="34" charset="0"/>
-                </a:defRPr>
-              </a:lvl9pPr>
-            </a:lstStyle>
-            <a:p>
-              <a:pPr algn="ctr" eaLnBrk="1" hangingPunct="1"/>
-              <a:r>
-                <a:rPr lang="en-US" altLang="en-US" sz="1200" dirty="0">
-                  <a:latin typeface="Arial" panose="020B0604020202020204" pitchFamily="34" charset="0"/>
-                  <a:ea typeface="Amazon Ember" panose="020B0603020204020204" pitchFamily="34" charset="0"/>
-                  <a:cs typeface="Arial" panose="020B0604020202020204" pitchFamily="34" charset="0"/>
-                </a:rPr>
-                <a:t>Amazon ECS</a:t>
-              </a:r>
-            </a:p>
-          </p:txBody>
-        </p:sp>
-      </p:grpSp>
-      <p:grpSp>
-        <p:nvGrpSpPr>
-          <p:cNvPr id="51" name="グループ化 50">
-            <a:extLst>
-              <a:ext uri="{FF2B5EF4-FFF2-40B4-BE49-F238E27FC236}">
-                <a16:creationId xmlns:a16="http://schemas.microsoft.com/office/drawing/2014/main" id="{0518B39D-09E7-2829-B25D-B462484EF19E}"/>
-              </a:ext>
-            </a:extLst>
-          </p:cNvPr>
-          <p:cNvGrpSpPr/>
-          <p:nvPr/>
-        </p:nvGrpSpPr>
-        <p:grpSpPr>
-          <a:xfrm>
-            <a:off x="9627740" y="4587338"/>
-            <a:ext cx="2279650" cy="1222077"/>
-            <a:chOff x="9047163" y="1185863"/>
-            <a:chExt cx="2279650" cy="1222077"/>
-          </a:xfrm>
-        </p:grpSpPr>
-        <p:pic>
-          <p:nvPicPr>
-            <p:cNvPr id="49" name="Graphic 14" descr="AWS Fargate service icon.">
-              <a:extLst>
-                <a:ext uri="{FF2B5EF4-FFF2-40B4-BE49-F238E27FC236}">
-                  <a16:creationId xmlns:a16="http://schemas.microsoft.com/office/drawing/2014/main" id="{837BD80F-0E02-71A5-D383-8B541315BFEB}"/>
-                </a:ext>
-              </a:extLst>
-            </p:cNvPr>
-            <p:cNvPicPr>
-              <a:picLocks noChangeAspect="1" noChangeArrowheads="1"/>
-            </p:cNvPicPr>
-            <p:nvPr/>
-          </p:nvPicPr>
-          <p:blipFill>
-            <a:blip r:embed="rId15">
-              <a:extLst>
-                <a:ext uri="{96DAC541-7B7A-43D3-8B79-37D633B846F1}">
-                  <asvg:svgBlip xmlns:asvg="http://schemas.microsoft.com/office/drawing/2016/SVG/main" r:embed="rId16"/>
-                </a:ext>
-              </a:extLst>
-            </a:blip>
-            <a:srcRect/>
-            <a:stretch/>
-          </p:blipFill>
-          <p:spPr bwMode="auto">
-            <a:xfrm>
-              <a:off x="9818688" y="1185863"/>
-              <a:ext cx="762000" cy="762000"/>
-            </a:xfrm>
-            <a:prstGeom prst="rect">
-              <a:avLst/>
-            </a:prstGeom>
-            <a:noFill/>
-            <a:ln>
-              <a:noFill/>
-            </a:ln>
-            <a:extLst>
-              <a:ext uri="{909E8E84-426E-40DD-AFC4-6F175D3DCCD1}">
-                <a14:hiddenFill xmlns:a14="http://schemas.microsoft.com/office/drawing/2010/main">
-                  <a:solidFill>
-                    <a:srgbClr val="FFFFFF"/>
-                  </a:solidFill>
-                </a14:hiddenFill>
-              </a:ext>
-              <a:ext uri="{91240B29-F687-4F45-9708-019B960494DF}">
-                <a14:hiddenLine xmlns:a14="http://schemas.microsoft.com/office/drawing/2010/main" w="9525">
-                  <a:solidFill>
-                    <a:srgbClr val="000000"/>
-                  </a:solidFill>
-                  <a:miter lim="800000"/>
-                  <a:headEnd/>
-                  <a:tailEnd/>
-                </a14:hiddenLine>
-              </a:ext>
-            </a:extLst>
-          </p:spPr>
-        </p:pic>
-        <p:sp>
-          <p:nvSpPr>
-            <p:cNvPr id="50" name="TextBox 12">
-              <a:extLst>
-                <a:ext uri="{FF2B5EF4-FFF2-40B4-BE49-F238E27FC236}">
-                  <a16:creationId xmlns:a16="http://schemas.microsoft.com/office/drawing/2014/main" id="{AEB1C47A-C450-0727-4FDE-AD4107C782E3}"/>
-                </a:ext>
-              </a:extLst>
-            </p:cNvPr>
-            <p:cNvSpPr txBox="1">
-              <a:spLocks noChangeArrowheads="1"/>
-            </p:cNvSpPr>
-            <p:nvPr/>
-          </p:nvSpPr>
-          <p:spPr bwMode="auto">
-            <a:xfrm>
-              <a:off x="9047163" y="1946275"/>
-              <a:ext cx="2279650" cy="461665"/>
-            </a:xfrm>
-            <a:prstGeom prst="rect">
-              <a:avLst/>
-            </a:prstGeom>
-            <a:noFill/>
-            <a:ln>
-              <a:noFill/>
-            </a:ln>
-            <a:extLst>
-              <a:ext uri="{909E8E84-426E-40DD-AFC4-6F175D3DCCD1}">
-                <a14:hiddenFill xmlns:a14="http://schemas.microsoft.com/office/drawing/2010/main">
-                  <a:solidFill>
-                    <a:srgbClr val="FFFFFF"/>
-                  </a:solidFill>
-                </a14:hiddenFill>
-              </a:ext>
-              <a:ext uri="{91240B29-F687-4F45-9708-019B960494DF}">
-                <a14:hiddenLine xmlns:a14="http://schemas.microsoft.com/office/drawing/2010/main" w="9525">
-                  <a:solidFill>
-                    <a:srgbClr val="000000"/>
-                  </a:solidFill>
-                  <a:miter lim="800000"/>
-                  <a:headEnd/>
-                  <a:tailEnd/>
-                </a14:hiddenLine>
-              </a:ext>
-            </a:extLst>
-          </p:spPr>
-          <p:txBody>
-            <a:bodyPr>
-              <a:spAutoFit/>
-            </a:bodyPr>
-            <a:lstStyle>
-              <a:lvl1pPr>
-                <a:defRPr>
-                  <a:solidFill>
-                    <a:schemeClr val="tx1"/>
-                  </a:solidFill>
-                  <a:latin typeface="Calibri" panose="020F0502020204030204" pitchFamily="34" charset="0"/>
-                </a:defRPr>
-              </a:lvl1pPr>
-              <a:lvl2pPr marL="742950" indent="-285750">
-                <a:defRPr>
-                  <a:solidFill>
-                    <a:schemeClr val="tx1"/>
-                  </a:solidFill>
-                  <a:latin typeface="Calibri" panose="020F0502020204030204" pitchFamily="34" charset="0"/>
-                </a:defRPr>
-              </a:lvl2pPr>
-              <a:lvl3pPr marL="1143000" indent="-228600">
-                <a:defRPr>
-                  <a:solidFill>
-                    <a:schemeClr val="tx1"/>
-                  </a:solidFill>
-                  <a:latin typeface="Calibri" panose="020F0502020204030204" pitchFamily="34" charset="0"/>
-                </a:defRPr>
-              </a:lvl3pPr>
-              <a:lvl4pPr marL="1600200" indent="-228600">
-                <a:defRPr>
-                  <a:solidFill>
-                    <a:schemeClr val="tx1"/>
-                  </a:solidFill>
-                  <a:latin typeface="Calibri" panose="020F0502020204030204" pitchFamily="34" charset="0"/>
-                </a:defRPr>
-              </a:lvl4pPr>
-              <a:lvl5pPr marL="2057400" indent="-228600">
-                <a:defRPr>
-                  <a:solidFill>
-                    <a:schemeClr val="tx1"/>
-                  </a:solidFill>
-                  <a:latin typeface="Calibri" panose="020F0502020204030204" pitchFamily="34" charset="0"/>
-                </a:defRPr>
-              </a:lvl5pPr>
-              <a:lvl6pPr marL="2514600" indent="-228600" eaLnBrk="0" fontAlgn="base" hangingPunct="0">
-                <a:spcBef>
-                  <a:spcPct val="0"/>
-                </a:spcBef>
-                <a:spcAft>
-                  <a:spcPct val="0"/>
-                </a:spcAft>
-                <a:defRPr>
-                  <a:solidFill>
-                    <a:schemeClr val="tx1"/>
-                  </a:solidFill>
-                  <a:latin typeface="Calibri" panose="020F0502020204030204" pitchFamily="34" charset="0"/>
-                </a:defRPr>
-              </a:lvl6pPr>
-              <a:lvl7pPr marL="2971800" indent="-228600" eaLnBrk="0" fontAlgn="base" hangingPunct="0">
-                <a:spcBef>
-                  <a:spcPct val="0"/>
-                </a:spcBef>
-                <a:spcAft>
-                  <a:spcPct val="0"/>
-                </a:spcAft>
-                <a:defRPr>
-                  <a:solidFill>
-                    <a:schemeClr val="tx1"/>
-                  </a:solidFill>
-                  <a:latin typeface="Calibri" panose="020F0502020204030204" pitchFamily="34" charset="0"/>
-                </a:defRPr>
-              </a:lvl7pPr>
-              <a:lvl8pPr marL="3429000" indent="-228600" eaLnBrk="0" fontAlgn="base" hangingPunct="0">
-                <a:spcBef>
-                  <a:spcPct val="0"/>
-                </a:spcBef>
-                <a:spcAft>
-                  <a:spcPct val="0"/>
-                </a:spcAft>
-                <a:defRPr>
-                  <a:solidFill>
-                    <a:schemeClr val="tx1"/>
-                  </a:solidFill>
-                  <a:latin typeface="Calibri" panose="020F0502020204030204" pitchFamily="34" charset="0"/>
-                </a:defRPr>
-              </a:lvl8pPr>
-              <a:lvl9pPr marL="3886200" indent="-228600" eaLnBrk="0" fontAlgn="base" hangingPunct="0">
-                <a:spcBef>
-                  <a:spcPct val="0"/>
-                </a:spcBef>
-                <a:spcAft>
-                  <a:spcPct val="0"/>
-                </a:spcAft>
-                <a:defRPr>
-                  <a:solidFill>
-                    <a:schemeClr val="tx1"/>
-                  </a:solidFill>
-                  <a:latin typeface="Calibri" panose="020F0502020204030204" pitchFamily="34" charset="0"/>
-                </a:defRPr>
-              </a:lvl9pPr>
-            </a:lstStyle>
-            <a:p>
-              <a:pPr algn="ctr" eaLnBrk="1" hangingPunct="1"/>
-              <a:r>
-                <a:rPr lang="en-US" altLang="en-US" sz="1200" dirty="0">
-                  <a:latin typeface="Arial" panose="020B0604020202020204" pitchFamily="34" charset="0"/>
-                  <a:ea typeface="Amazon Ember" panose="020B0603020204020204" pitchFamily="34" charset="0"/>
-                  <a:cs typeface="Arial" panose="020B0604020202020204" pitchFamily="34" charset="0"/>
-                </a:rPr>
-                <a:t>AWS Fargate</a:t>
-              </a:r>
-              <a:br>
-                <a:rPr lang="en-US" altLang="en-US" sz="1200" dirty="0">
-                  <a:latin typeface="Arial" panose="020B0604020202020204" pitchFamily="34" charset="0"/>
-                  <a:ea typeface="Amazon Ember" panose="020B0603020204020204" pitchFamily="34" charset="0"/>
-                  <a:cs typeface="Arial" panose="020B0604020202020204" pitchFamily="34" charset="0"/>
-                </a:rPr>
-              </a:br>
-              <a:r>
-                <a:rPr lang="en-US" altLang="en-US" sz="1200" dirty="0">
-                  <a:latin typeface="Arial" panose="020B0604020202020204" pitchFamily="34" charset="0"/>
-                  <a:ea typeface="Amazon Ember" panose="020B0603020204020204" pitchFamily="34" charset="0"/>
-                  <a:cs typeface="Arial" panose="020B0604020202020204" pitchFamily="34" charset="0"/>
-                </a:rPr>
-                <a:t>(Gitlab Container)</a:t>
-              </a:r>
-            </a:p>
-          </p:txBody>
-        </p:sp>
-      </p:grpSp>
-      <p:grpSp>
-        <p:nvGrpSpPr>
-          <p:cNvPr id="55" name="グループ化 54">
-            <a:extLst>
-              <a:ext uri="{FF2B5EF4-FFF2-40B4-BE49-F238E27FC236}">
-                <a16:creationId xmlns:a16="http://schemas.microsoft.com/office/drawing/2014/main" id="{96D985A6-8856-B9D3-687B-6D52E1AD848C}"/>
-              </a:ext>
-            </a:extLst>
-          </p:cNvPr>
-          <p:cNvGrpSpPr/>
-          <p:nvPr/>
-        </p:nvGrpSpPr>
-        <p:grpSpPr>
-          <a:xfrm>
-            <a:off x="11153441" y="4587335"/>
-            <a:ext cx="2292350" cy="1225252"/>
-            <a:chOff x="8375316" y="2787110"/>
-            <a:chExt cx="2292350" cy="1225252"/>
-          </a:xfrm>
-        </p:grpSpPr>
-        <p:pic>
-          <p:nvPicPr>
-            <p:cNvPr id="53" name="Graphic 19" descr="Amazon Elastic File System (Amazon EFS) service icon.">
-              <a:extLst>
-                <a:ext uri="{FF2B5EF4-FFF2-40B4-BE49-F238E27FC236}">
-                  <a16:creationId xmlns:a16="http://schemas.microsoft.com/office/drawing/2014/main" id="{040C791F-FF2E-79F9-022D-FAD04A49A073}"/>
-                </a:ext>
-              </a:extLst>
-            </p:cNvPr>
-            <p:cNvPicPr>
-              <a:picLocks noChangeAspect="1" noChangeArrowheads="1"/>
-            </p:cNvPicPr>
-            <p:nvPr/>
-          </p:nvPicPr>
-          <p:blipFill>
-            <a:blip r:embed="rId17">
-              <a:extLst>
-                <a:ext uri="{96DAC541-7B7A-43D3-8B79-37D633B846F1}">
-                  <asvg:svgBlip xmlns:asvg="http://schemas.microsoft.com/office/drawing/2016/SVG/main" r:embed="rId18"/>
-                </a:ext>
-              </a:extLst>
-            </a:blip>
-            <a:srcRect/>
-            <a:stretch/>
-          </p:blipFill>
-          <p:spPr bwMode="auto">
-            <a:xfrm>
-              <a:off x="9132553" y="2787110"/>
-              <a:ext cx="762000" cy="762000"/>
-            </a:xfrm>
-            <a:prstGeom prst="rect">
-              <a:avLst/>
-            </a:prstGeom>
-            <a:noFill/>
-            <a:ln>
-              <a:noFill/>
-            </a:ln>
-            <a:extLst>
-              <a:ext uri="{909E8E84-426E-40DD-AFC4-6F175D3DCCD1}">
-                <a14:hiddenFill xmlns:a14="http://schemas.microsoft.com/office/drawing/2010/main">
-                  <a:solidFill>
-                    <a:srgbClr val="FFFFFF"/>
-                  </a:solidFill>
-                </a14:hiddenFill>
-              </a:ext>
-              <a:ext uri="{91240B29-F687-4F45-9708-019B960494DF}">
-                <a14:hiddenLine xmlns:a14="http://schemas.microsoft.com/office/drawing/2010/main" w="9525">
-                  <a:solidFill>
-                    <a:srgbClr val="000000"/>
-                  </a:solidFill>
-                  <a:miter lim="800000"/>
-                  <a:headEnd/>
-                  <a:tailEnd/>
-                </a14:hiddenLine>
-              </a:ext>
-            </a:extLst>
-          </p:spPr>
-        </p:pic>
-        <p:sp>
-          <p:nvSpPr>
-            <p:cNvPr id="54" name="TextBox 11">
-              <a:extLst>
-                <a:ext uri="{FF2B5EF4-FFF2-40B4-BE49-F238E27FC236}">
-                  <a16:creationId xmlns:a16="http://schemas.microsoft.com/office/drawing/2014/main" id="{586F71E4-AAFA-AED2-6BDB-17A4CBC2512A}"/>
-                </a:ext>
-              </a:extLst>
-            </p:cNvPr>
-            <p:cNvSpPr txBox="1">
-              <a:spLocks noChangeArrowheads="1"/>
-            </p:cNvSpPr>
-            <p:nvPr/>
-          </p:nvSpPr>
-          <p:spPr bwMode="auto">
-            <a:xfrm>
-              <a:off x="8375316" y="3550697"/>
-              <a:ext cx="2292350" cy="461665"/>
-            </a:xfrm>
-            <a:prstGeom prst="rect">
-              <a:avLst/>
-            </a:prstGeom>
-            <a:noFill/>
-            <a:ln>
-              <a:noFill/>
-            </a:ln>
-            <a:extLst>
-              <a:ext uri="{909E8E84-426E-40DD-AFC4-6F175D3DCCD1}">
-                <a14:hiddenFill xmlns:a14="http://schemas.microsoft.com/office/drawing/2010/main">
-                  <a:solidFill>
-                    <a:srgbClr val="FFFFFF"/>
-                  </a:solidFill>
-                </a14:hiddenFill>
-              </a:ext>
-              <a:ext uri="{91240B29-F687-4F45-9708-019B960494DF}">
-                <a14:hiddenLine xmlns:a14="http://schemas.microsoft.com/office/drawing/2010/main" w="9525">
-                  <a:solidFill>
-                    <a:srgbClr val="000000"/>
-                  </a:solidFill>
-                  <a:miter lim="800000"/>
-                  <a:headEnd/>
-                  <a:tailEnd/>
-                </a14:hiddenLine>
-              </a:ext>
-            </a:extLst>
-          </p:spPr>
-          <p:txBody>
-            <a:bodyPr>
-              <a:spAutoFit/>
-            </a:bodyPr>
-            <a:lstStyle>
-              <a:lvl1pPr>
-                <a:defRPr>
-                  <a:solidFill>
-                    <a:schemeClr val="tx1"/>
-                  </a:solidFill>
-                  <a:latin typeface="Calibri" panose="020F0502020204030204" pitchFamily="34" charset="0"/>
-                </a:defRPr>
-              </a:lvl1pPr>
-              <a:lvl2pPr marL="742950" indent="-285750">
-                <a:defRPr>
-                  <a:solidFill>
-                    <a:schemeClr val="tx1"/>
-                  </a:solidFill>
-                  <a:latin typeface="Calibri" panose="020F0502020204030204" pitchFamily="34" charset="0"/>
-                </a:defRPr>
-              </a:lvl2pPr>
-              <a:lvl3pPr marL="1143000" indent="-228600">
-                <a:defRPr>
-                  <a:solidFill>
-                    <a:schemeClr val="tx1"/>
-                  </a:solidFill>
-                  <a:latin typeface="Calibri" panose="020F0502020204030204" pitchFamily="34" charset="0"/>
-                </a:defRPr>
-              </a:lvl3pPr>
-              <a:lvl4pPr marL="1600200" indent="-228600">
-                <a:defRPr>
-                  <a:solidFill>
-                    <a:schemeClr val="tx1"/>
-                  </a:solidFill>
-                  <a:latin typeface="Calibri" panose="020F0502020204030204" pitchFamily="34" charset="0"/>
-                </a:defRPr>
-              </a:lvl4pPr>
-              <a:lvl5pPr marL="2057400" indent="-228600">
-                <a:defRPr>
-                  <a:solidFill>
-                    <a:schemeClr val="tx1"/>
-                  </a:solidFill>
-                  <a:latin typeface="Calibri" panose="020F0502020204030204" pitchFamily="34" charset="0"/>
-                </a:defRPr>
-              </a:lvl5pPr>
-              <a:lvl6pPr marL="2514600" indent="-228600" eaLnBrk="0" fontAlgn="base" hangingPunct="0">
-                <a:spcBef>
-                  <a:spcPct val="0"/>
-                </a:spcBef>
-                <a:spcAft>
-                  <a:spcPct val="0"/>
-                </a:spcAft>
-                <a:defRPr>
-                  <a:solidFill>
-                    <a:schemeClr val="tx1"/>
-                  </a:solidFill>
-                  <a:latin typeface="Calibri" panose="020F0502020204030204" pitchFamily="34" charset="0"/>
-                </a:defRPr>
-              </a:lvl6pPr>
-              <a:lvl7pPr marL="2971800" indent="-228600" eaLnBrk="0" fontAlgn="base" hangingPunct="0">
-                <a:spcBef>
-                  <a:spcPct val="0"/>
-                </a:spcBef>
-                <a:spcAft>
-                  <a:spcPct val="0"/>
-                </a:spcAft>
-                <a:defRPr>
-                  <a:solidFill>
-                    <a:schemeClr val="tx1"/>
-                  </a:solidFill>
-                  <a:latin typeface="Calibri" panose="020F0502020204030204" pitchFamily="34" charset="0"/>
-                </a:defRPr>
-              </a:lvl7pPr>
-              <a:lvl8pPr marL="3429000" indent="-228600" eaLnBrk="0" fontAlgn="base" hangingPunct="0">
-                <a:spcBef>
-                  <a:spcPct val="0"/>
-                </a:spcBef>
-                <a:spcAft>
-                  <a:spcPct val="0"/>
-                </a:spcAft>
-                <a:defRPr>
-                  <a:solidFill>
-                    <a:schemeClr val="tx1"/>
-                  </a:solidFill>
-                  <a:latin typeface="Calibri" panose="020F0502020204030204" pitchFamily="34" charset="0"/>
-                </a:defRPr>
-              </a:lvl8pPr>
-              <a:lvl9pPr marL="3886200" indent="-228600" eaLnBrk="0" fontAlgn="base" hangingPunct="0">
-                <a:spcBef>
-                  <a:spcPct val="0"/>
-                </a:spcBef>
-                <a:spcAft>
-                  <a:spcPct val="0"/>
-                </a:spcAft>
-                <a:defRPr>
-                  <a:solidFill>
-                    <a:schemeClr val="tx1"/>
-                  </a:solidFill>
-                  <a:latin typeface="Calibri" panose="020F0502020204030204" pitchFamily="34" charset="0"/>
-                </a:defRPr>
-              </a:lvl9pPr>
-            </a:lstStyle>
-            <a:p>
-              <a:pPr algn="ctr" eaLnBrk="1" hangingPunct="1"/>
-              <a:r>
-                <a:rPr lang="en-US" altLang="en-US" sz="1200" dirty="0">
-                  <a:latin typeface="Arial" panose="020B0604020202020204" pitchFamily="34" charset="0"/>
-                  <a:ea typeface="Amazon Ember" panose="020B0603020204020204" pitchFamily="34" charset="0"/>
-                  <a:cs typeface="Arial" panose="020B0604020202020204" pitchFamily="34" charset="0"/>
-                </a:rPr>
-                <a:t>Amazon EFS</a:t>
-              </a:r>
-              <a:br>
-                <a:rPr lang="en-US" altLang="en-US" sz="1200" dirty="0">
-                  <a:latin typeface="Arial" panose="020B0604020202020204" pitchFamily="34" charset="0"/>
-                  <a:ea typeface="Amazon Ember" panose="020B0603020204020204" pitchFamily="34" charset="0"/>
-                  <a:cs typeface="Arial" panose="020B0604020202020204" pitchFamily="34" charset="0"/>
-                </a:rPr>
-              </a:br>
-              <a:r>
-                <a:rPr lang="en-US" altLang="en-US" sz="1200" dirty="0">
-                  <a:latin typeface="Arial" panose="020B0604020202020204" pitchFamily="34" charset="0"/>
-                  <a:ea typeface="Amazon Ember" panose="020B0603020204020204" pitchFamily="34" charset="0"/>
-                  <a:cs typeface="Arial" panose="020B0604020202020204" pitchFamily="34" charset="0"/>
-                </a:rPr>
-                <a:t>(Storage)</a:t>
-              </a:r>
-            </a:p>
-          </p:txBody>
-        </p:sp>
-      </p:grpSp>
-      <p:grpSp>
-        <p:nvGrpSpPr>
-          <p:cNvPr id="58" name="グループ化 57">
-            <a:extLst>
-              <a:ext uri="{FF2B5EF4-FFF2-40B4-BE49-F238E27FC236}">
-                <a16:creationId xmlns:a16="http://schemas.microsoft.com/office/drawing/2014/main" id="{A62AA4B5-D792-9F40-E5F3-774952777F4B}"/>
-              </a:ext>
-            </a:extLst>
-          </p:cNvPr>
-          <p:cNvGrpSpPr/>
-          <p:nvPr/>
-        </p:nvGrpSpPr>
-        <p:grpSpPr>
-          <a:xfrm>
-            <a:off x="8098548" y="7218883"/>
-            <a:ext cx="2292350" cy="1038999"/>
-            <a:chOff x="10478575" y="5495862"/>
-            <a:chExt cx="2292350" cy="1038999"/>
-          </a:xfrm>
-        </p:grpSpPr>
-        <p:pic>
-          <p:nvPicPr>
-            <p:cNvPr id="56" name="Graphic 17" descr="AWS Secrets Manager service icon.">
-              <a:extLst>
-                <a:ext uri="{FF2B5EF4-FFF2-40B4-BE49-F238E27FC236}">
-                  <a16:creationId xmlns:a16="http://schemas.microsoft.com/office/drawing/2014/main" id="{4550F525-3219-E656-B915-127600AA4D1F}"/>
-                </a:ext>
-              </a:extLst>
-            </p:cNvPr>
-            <p:cNvPicPr>
-              <a:picLocks noChangeAspect="1" noChangeArrowheads="1"/>
-            </p:cNvPicPr>
-            <p:nvPr/>
-          </p:nvPicPr>
-          <p:blipFill>
-            <a:blip r:embed="rId19">
-              <a:extLst>
-                <a:ext uri="{96DAC541-7B7A-43D3-8B79-37D633B846F1}">
-                  <asvg:svgBlip xmlns:asvg="http://schemas.microsoft.com/office/drawing/2016/SVG/main" r:embed="rId20"/>
-                </a:ext>
-              </a:extLst>
-            </a:blip>
-            <a:srcRect/>
-            <a:stretch/>
-          </p:blipFill>
-          <p:spPr bwMode="auto">
-            <a:xfrm>
-              <a:off x="11235812" y="5495862"/>
-              <a:ext cx="762000" cy="762000"/>
-            </a:xfrm>
-            <a:prstGeom prst="rect">
-              <a:avLst/>
-            </a:prstGeom>
-            <a:noFill/>
-            <a:ln>
-              <a:noFill/>
-            </a:ln>
-            <a:extLst>
-              <a:ext uri="{909E8E84-426E-40DD-AFC4-6F175D3DCCD1}">
-                <a14:hiddenFill xmlns:a14="http://schemas.microsoft.com/office/drawing/2010/main">
-                  <a:solidFill>
-                    <a:srgbClr val="FFFFFF"/>
-                  </a:solidFill>
-                </a14:hiddenFill>
-              </a:ext>
-              <a:ext uri="{91240B29-F687-4F45-9708-019B960494DF}">
-                <a14:hiddenLine xmlns:a14="http://schemas.microsoft.com/office/drawing/2010/main" w="9525">
-                  <a:solidFill>
-                    <a:srgbClr val="000000"/>
-                  </a:solidFill>
-                  <a:miter lim="800000"/>
-                  <a:headEnd/>
-                  <a:tailEnd/>
-                </a14:hiddenLine>
-              </a:ext>
-            </a:extLst>
-          </p:spPr>
-        </p:pic>
-        <p:sp>
-          <p:nvSpPr>
-            <p:cNvPr id="57" name="TextBox 11">
-              <a:extLst>
-                <a:ext uri="{FF2B5EF4-FFF2-40B4-BE49-F238E27FC236}">
-                  <a16:creationId xmlns:a16="http://schemas.microsoft.com/office/drawing/2014/main" id="{C3A8DDDE-1E08-175E-FB9B-8D80E90230D5}"/>
-                </a:ext>
-              </a:extLst>
-            </p:cNvPr>
-            <p:cNvSpPr txBox="1">
-              <a:spLocks noChangeArrowheads="1"/>
-            </p:cNvSpPr>
-            <p:nvPr/>
-          </p:nvSpPr>
-          <p:spPr bwMode="auto">
-            <a:xfrm>
-              <a:off x="10478575" y="6257862"/>
-              <a:ext cx="2292350" cy="276999"/>
-            </a:xfrm>
-            <a:prstGeom prst="rect">
-              <a:avLst/>
-            </a:prstGeom>
-            <a:noFill/>
-            <a:ln>
-              <a:noFill/>
-            </a:ln>
-            <a:extLst>
-              <a:ext uri="{909E8E84-426E-40DD-AFC4-6F175D3DCCD1}">
-                <a14:hiddenFill xmlns:a14="http://schemas.microsoft.com/office/drawing/2010/main">
-                  <a:solidFill>
-                    <a:srgbClr val="FFFFFF"/>
-                  </a:solidFill>
-                </a14:hiddenFill>
-              </a:ext>
-              <a:ext uri="{91240B29-F687-4F45-9708-019B960494DF}">
-                <a14:hiddenLine xmlns:a14="http://schemas.microsoft.com/office/drawing/2010/main" w="9525">
-                  <a:solidFill>
-                    <a:srgbClr val="000000"/>
-                  </a:solidFill>
-                  <a:miter lim="800000"/>
-                  <a:headEnd/>
-                  <a:tailEnd/>
-                </a14:hiddenLine>
-              </a:ext>
-            </a:extLst>
-          </p:spPr>
-          <p:txBody>
-            <a:bodyPr>
-              <a:spAutoFit/>
-            </a:bodyPr>
-            <a:lstStyle>
-              <a:lvl1pPr>
-                <a:defRPr>
-                  <a:solidFill>
-                    <a:schemeClr val="tx1"/>
-                  </a:solidFill>
-                  <a:latin typeface="Calibri" panose="020F0502020204030204" pitchFamily="34" charset="0"/>
-                </a:defRPr>
-              </a:lvl1pPr>
-              <a:lvl2pPr marL="742950" indent="-285750">
-                <a:defRPr>
-                  <a:solidFill>
-                    <a:schemeClr val="tx1"/>
-                  </a:solidFill>
-                  <a:latin typeface="Calibri" panose="020F0502020204030204" pitchFamily="34" charset="0"/>
-                </a:defRPr>
-              </a:lvl2pPr>
-              <a:lvl3pPr marL="1143000" indent="-228600">
-                <a:defRPr>
-                  <a:solidFill>
-                    <a:schemeClr val="tx1"/>
-                  </a:solidFill>
-                  <a:latin typeface="Calibri" panose="020F0502020204030204" pitchFamily="34" charset="0"/>
-                </a:defRPr>
-              </a:lvl3pPr>
-              <a:lvl4pPr marL="1600200" indent="-228600">
-                <a:defRPr>
-                  <a:solidFill>
-                    <a:schemeClr val="tx1"/>
-                  </a:solidFill>
-                  <a:latin typeface="Calibri" panose="020F0502020204030204" pitchFamily="34" charset="0"/>
-                </a:defRPr>
-              </a:lvl4pPr>
-              <a:lvl5pPr marL="2057400" indent="-228600">
-                <a:defRPr>
-                  <a:solidFill>
-                    <a:schemeClr val="tx1"/>
-                  </a:solidFill>
-                  <a:latin typeface="Calibri" panose="020F0502020204030204" pitchFamily="34" charset="0"/>
-                </a:defRPr>
-              </a:lvl5pPr>
-              <a:lvl6pPr marL="2514600" indent="-228600" eaLnBrk="0" fontAlgn="base" hangingPunct="0">
-                <a:spcBef>
-                  <a:spcPct val="0"/>
-                </a:spcBef>
-                <a:spcAft>
-                  <a:spcPct val="0"/>
-                </a:spcAft>
-                <a:defRPr>
-                  <a:solidFill>
-                    <a:schemeClr val="tx1"/>
-                  </a:solidFill>
-                  <a:latin typeface="Calibri" panose="020F0502020204030204" pitchFamily="34" charset="0"/>
-                </a:defRPr>
-              </a:lvl6pPr>
-              <a:lvl7pPr marL="2971800" indent="-228600" eaLnBrk="0" fontAlgn="base" hangingPunct="0">
-                <a:spcBef>
-                  <a:spcPct val="0"/>
-                </a:spcBef>
-                <a:spcAft>
-                  <a:spcPct val="0"/>
-                </a:spcAft>
-                <a:defRPr>
-                  <a:solidFill>
-                    <a:schemeClr val="tx1"/>
-                  </a:solidFill>
-                  <a:latin typeface="Calibri" panose="020F0502020204030204" pitchFamily="34" charset="0"/>
-                </a:defRPr>
-              </a:lvl7pPr>
-              <a:lvl8pPr marL="3429000" indent="-228600" eaLnBrk="0" fontAlgn="base" hangingPunct="0">
-                <a:spcBef>
-                  <a:spcPct val="0"/>
-                </a:spcBef>
-                <a:spcAft>
-                  <a:spcPct val="0"/>
-                </a:spcAft>
-                <a:defRPr>
-                  <a:solidFill>
-                    <a:schemeClr val="tx1"/>
-                  </a:solidFill>
-                  <a:latin typeface="Calibri" panose="020F0502020204030204" pitchFamily="34" charset="0"/>
-                </a:defRPr>
-              </a:lvl8pPr>
-              <a:lvl9pPr marL="3886200" indent="-228600" eaLnBrk="0" fontAlgn="base" hangingPunct="0">
-                <a:spcBef>
-                  <a:spcPct val="0"/>
-                </a:spcBef>
-                <a:spcAft>
-                  <a:spcPct val="0"/>
-                </a:spcAft>
-                <a:defRPr>
-                  <a:solidFill>
-                    <a:schemeClr val="tx1"/>
-                  </a:solidFill>
-                  <a:latin typeface="Calibri" panose="020F0502020204030204" pitchFamily="34" charset="0"/>
-                </a:defRPr>
-              </a:lvl9pPr>
-            </a:lstStyle>
-            <a:p>
-              <a:pPr algn="ctr" eaLnBrk="1" hangingPunct="1"/>
-              <a:r>
-                <a:rPr lang="en-US" altLang="en-US" sz="1200" dirty="0">
-                  <a:latin typeface="Arial" panose="020B0604020202020204" pitchFamily="34" charset="0"/>
-                  <a:ea typeface="Amazon Ember" panose="020B0603020204020204" pitchFamily="34" charset="0"/>
-                  <a:cs typeface="Arial" panose="020B0604020202020204" pitchFamily="34" charset="0"/>
-                </a:rPr>
-                <a:t>AWS Secrets Manager</a:t>
-              </a:r>
-            </a:p>
-          </p:txBody>
-        </p:sp>
-      </p:grpSp>
-      <p:grpSp>
-        <p:nvGrpSpPr>
-          <p:cNvPr id="64" name="グループ化 63">
-            <a:extLst>
-              <a:ext uri="{FF2B5EF4-FFF2-40B4-BE49-F238E27FC236}">
-                <a16:creationId xmlns:a16="http://schemas.microsoft.com/office/drawing/2014/main" id="{D401604C-0B46-3CCA-80F8-78CEEA37C45E}"/>
-              </a:ext>
-            </a:extLst>
-          </p:cNvPr>
-          <p:cNvGrpSpPr/>
-          <p:nvPr/>
-        </p:nvGrpSpPr>
-        <p:grpSpPr>
-          <a:xfrm>
-            <a:off x="4751549" y="4587338"/>
-            <a:ext cx="2279650" cy="1037411"/>
-            <a:chOff x="1201945" y="2578147"/>
-            <a:chExt cx="2279650" cy="1037411"/>
-          </a:xfrm>
-        </p:grpSpPr>
-        <p:pic>
-          <p:nvPicPr>
-            <p:cNvPr id="59" name="Graphic 6" descr="Elastic Load Balancing service icon.">
-              <a:extLst>
-                <a:ext uri="{FF2B5EF4-FFF2-40B4-BE49-F238E27FC236}">
-                  <a16:creationId xmlns:a16="http://schemas.microsoft.com/office/drawing/2014/main" id="{C288D78B-4F69-32A0-C0F1-4DC57B3E307E}"/>
-                </a:ext>
-              </a:extLst>
-            </p:cNvPr>
-            <p:cNvPicPr>
-              <a:picLocks noChangeAspect="1" noChangeArrowheads="1"/>
-            </p:cNvPicPr>
-            <p:nvPr/>
-          </p:nvPicPr>
-          <p:blipFill>
-            <a:blip r:embed="rId21">
-              <a:extLst>
-                <a:ext uri="{96DAC541-7B7A-43D3-8B79-37D633B846F1}">
-                  <asvg:svgBlip xmlns:asvg="http://schemas.microsoft.com/office/drawing/2016/SVG/main" r:embed="rId22"/>
-                </a:ext>
-              </a:extLst>
-            </a:blip>
-            <a:srcRect/>
-            <a:stretch/>
-          </p:blipFill>
-          <p:spPr bwMode="auto">
-            <a:xfrm>
-              <a:off x="1946482" y="2578147"/>
-              <a:ext cx="762000" cy="762000"/>
-            </a:xfrm>
-            <a:prstGeom prst="rect">
-              <a:avLst/>
-            </a:prstGeom>
-            <a:noFill/>
-            <a:ln>
-              <a:noFill/>
-            </a:ln>
-            <a:extLst>
-              <a:ext uri="{909E8E84-426E-40DD-AFC4-6F175D3DCCD1}">
-                <a14:hiddenFill xmlns:a14="http://schemas.microsoft.com/office/drawing/2010/main">
-                  <a:solidFill>
-                    <a:srgbClr val="FFFFFF"/>
-                  </a:solidFill>
-                </a14:hiddenFill>
-              </a:ext>
-              <a:ext uri="{91240B29-F687-4F45-9708-019B960494DF}">
-                <a14:hiddenLine xmlns:a14="http://schemas.microsoft.com/office/drawing/2010/main" w="9525">
-                  <a:solidFill>
-                    <a:srgbClr val="000000"/>
-                  </a:solidFill>
-                  <a:miter lim="800000"/>
-                  <a:headEnd/>
-                  <a:tailEnd/>
-                </a14:hiddenLine>
-              </a:ext>
-            </a:extLst>
-          </p:spPr>
-        </p:pic>
-        <p:sp>
-          <p:nvSpPr>
-            <p:cNvPr id="60" name="TextBox 12">
-              <a:extLst>
-                <a:ext uri="{FF2B5EF4-FFF2-40B4-BE49-F238E27FC236}">
-                  <a16:creationId xmlns:a16="http://schemas.microsoft.com/office/drawing/2014/main" id="{60DD50D5-EDD1-F217-880C-2B50E320B043}"/>
-                </a:ext>
-              </a:extLst>
-            </p:cNvPr>
-            <p:cNvSpPr txBox="1">
-              <a:spLocks noChangeArrowheads="1"/>
-            </p:cNvSpPr>
-            <p:nvPr/>
-          </p:nvSpPr>
-          <p:spPr bwMode="auto">
-            <a:xfrm>
-              <a:off x="1201945" y="3338559"/>
-              <a:ext cx="2279650" cy="276999"/>
-            </a:xfrm>
-            <a:prstGeom prst="rect">
-              <a:avLst/>
-            </a:prstGeom>
-            <a:noFill/>
-            <a:ln>
-              <a:noFill/>
-            </a:ln>
-            <a:extLst>
-              <a:ext uri="{909E8E84-426E-40DD-AFC4-6F175D3DCCD1}">
-                <a14:hiddenFill xmlns:a14="http://schemas.microsoft.com/office/drawing/2010/main">
-                  <a:solidFill>
-                    <a:srgbClr val="FFFFFF"/>
-                  </a:solidFill>
-                </a14:hiddenFill>
-              </a:ext>
-              <a:ext uri="{91240B29-F687-4F45-9708-019B960494DF}">
-                <a14:hiddenLine xmlns:a14="http://schemas.microsoft.com/office/drawing/2010/main" w="9525">
-                  <a:solidFill>
-                    <a:srgbClr val="000000"/>
-                  </a:solidFill>
-                  <a:miter lim="800000"/>
-                  <a:headEnd/>
-                  <a:tailEnd/>
-                </a14:hiddenLine>
-              </a:ext>
-            </a:extLst>
-          </p:spPr>
-          <p:txBody>
-            <a:bodyPr>
-              <a:spAutoFit/>
-            </a:bodyPr>
-            <a:lstStyle>
-              <a:lvl1pPr>
-                <a:defRPr>
-                  <a:solidFill>
-                    <a:schemeClr val="tx1"/>
-                  </a:solidFill>
-                  <a:latin typeface="Calibri" panose="020F0502020204030204" pitchFamily="34" charset="0"/>
-                </a:defRPr>
-              </a:lvl1pPr>
-              <a:lvl2pPr marL="742950" indent="-285750">
-                <a:defRPr>
-                  <a:solidFill>
-                    <a:schemeClr val="tx1"/>
-                  </a:solidFill>
-                  <a:latin typeface="Calibri" panose="020F0502020204030204" pitchFamily="34" charset="0"/>
-                </a:defRPr>
-              </a:lvl2pPr>
-              <a:lvl3pPr marL="1143000" indent="-228600">
-                <a:defRPr>
-                  <a:solidFill>
-                    <a:schemeClr val="tx1"/>
-                  </a:solidFill>
-                  <a:latin typeface="Calibri" panose="020F0502020204030204" pitchFamily="34" charset="0"/>
-                </a:defRPr>
-              </a:lvl3pPr>
-              <a:lvl4pPr marL="1600200" indent="-228600">
-                <a:defRPr>
-                  <a:solidFill>
-                    <a:schemeClr val="tx1"/>
-                  </a:solidFill>
-                  <a:latin typeface="Calibri" panose="020F0502020204030204" pitchFamily="34" charset="0"/>
-                </a:defRPr>
-              </a:lvl4pPr>
-              <a:lvl5pPr marL="2057400" indent="-228600">
-                <a:defRPr>
-                  <a:solidFill>
-                    <a:schemeClr val="tx1"/>
-                  </a:solidFill>
-                  <a:latin typeface="Calibri" panose="020F0502020204030204" pitchFamily="34" charset="0"/>
-                </a:defRPr>
-              </a:lvl5pPr>
-              <a:lvl6pPr marL="2514600" indent="-228600" eaLnBrk="0" fontAlgn="base" hangingPunct="0">
-                <a:spcBef>
-                  <a:spcPct val="0"/>
-                </a:spcBef>
-                <a:spcAft>
-                  <a:spcPct val="0"/>
-                </a:spcAft>
-                <a:defRPr>
-                  <a:solidFill>
-                    <a:schemeClr val="tx1"/>
-                  </a:solidFill>
-                  <a:latin typeface="Calibri" panose="020F0502020204030204" pitchFamily="34" charset="0"/>
-                </a:defRPr>
-              </a:lvl6pPr>
-              <a:lvl7pPr marL="2971800" indent="-228600" eaLnBrk="0" fontAlgn="base" hangingPunct="0">
-                <a:spcBef>
-                  <a:spcPct val="0"/>
-                </a:spcBef>
-                <a:spcAft>
-                  <a:spcPct val="0"/>
-                </a:spcAft>
-                <a:defRPr>
-                  <a:solidFill>
-                    <a:schemeClr val="tx1"/>
-                  </a:solidFill>
-                  <a:latin typeface="Calibri" panose="020F0502020204030204" pitchFamily="34" charset="0"/>
-                </a:defRPr>
-              </a:lvl7pPr>
-              <a:lvl8pPr marL="3429000" indent="-228600" eaLnBrk="0" fontAlgn="base" hangingPunct="0">
-                <a:spcBef>
-                  <a:spcPct val="0"/>
-                </a:spcBef>
-                <a:spcAft>
-                  <a:spcPct val="0"/>
-                </a:spcAft>
-                <a:defRPr>
-                  <a:solidFill>
-                    <a:schemeClr val="tx1"/>
-                  </a:solidFill>
-                  <a:latin typeface="Calibri" panose="020F0502020204030204" pitchFamily="34" charset="0"/>
-                </a:defRPr>
-              </a:lvl8pPr>
-              <a:lvl9pPr marL="3886200" indent="-228600" eaLnBrk="0" fontAlgn="base" hangingPunct="0">
-                <a:spcBef>
-                  <a:spcPct val="0"/>
-                </a:spcBef>
-                <a:spcAft>
-                  <a:spcPct val="0"/>
-                </a:spcAft>
-                <a:defRPr>
-                  <a:solidFill>
-                    <a:schemeClr val="tx1"/>
-                  </a:solidFill>
-                  <a:latin typeface="Calibri" panose="020F0502020204030204" pitchFamily="34" charset="0"/>
-                </a:defRPr>
-              </a:lvl9pPr>
-            </a:lstStyle>
-            <a:p>
-              <a:pPr algn="ctr" eaLnBrk="1" hangingPunct="1"/>
-              <a:r>
-                <a:rPr lang="en-US" altLang="en-US" sz="1200" dirty="0">
-                  <a:latin typeface="Arial" panose="020B0604020202020204" pitchFamily="34" charset="0"/>
-                  <a:ea typeface="Amazon Ember" panose="020B0603020204020204" pitchFamily="34" charset="0"/>
-                  <a:cs typeface="Arial" panose="020B0604020202020204" pitchFamily="34" charset="0"/>
-                </a:rPr>
-                <a:t>ALB</a:t>
-              </a:r>
-            </a:p>
-          </p:txBody>
-        </p:sp>
-      </p:grpSp>
-      <p:grpSp>
-        <p:nvGrpSpPr>
-          <p:cNvPr id="63" name="グループ化 62">
-            <a:extLst>
-              <a:ext uri="{FF2B5EF4-FFF2-40B4-BE49-F238E27FC236}">
-                <a16:creationId xmlns:a16="http://schemas.microsoft.com/office/drawing/2014/main" id="{B4DF6A4F-B33A-0A96-BB70-15CC0C364258}"/>
-              </a:ext>
-            </a:extLst>
-          </p:cNvPr>
-          <p:cNvGrpSpPr/>
-          <p:nvPr/>
-        </p:nvGrpSpPr>
-        <p:grpSpPr>
-          <a:xfrm>
-            <a:off x="3685567" y="7218883"/>
-            <a:ext cx="2279650" cy="1223665"/>
-            <a:chOff x="6786563" y="1184275"/>
-            <a:chExt cx="2279650" cy="1223665"/>
-          </a:xfrm>
-        </p:grpSpPr>
-        <p:pic>
-          <p:nvPicPr>
-            <p:cNvPr id="61" name="Graphic 20" descr="AWS Certificate Manager (ACM) service icon.">
-              <a:extLst>
-                <a:ext uri="{FF2B5EF4-FFF2-40B4-BE49-F238E27FC236}">
-                  <a16:creationId xmlns:a16="http://schemas.microsoft.com/office/drawing/2014/main" id="{36B607B7-6EDE-3F32-6D9B-A6EC89B189EA}"/>
-                </a:ext>
-              </a:extLst>
-            </p:cNvPr>
-            <p:cNvPicPr>
-              <a:picLocks noChangeAspect="1" noChangeArrowheads="1"/>
-            </p:cNvPicPr>
-            <p:nvPr/>
-          </p:nvPicPr>
-          <p:blipFill>
-            <a:blip r:embed="rId23">
-              <a:extLst>
-                <a:ext uri="{96DAC541-7B7A-43D3-8B79-37D633B846F1}">
-                  <asvg:svgBlip xmlns:asvg="http://schemas.microsoft.com/office/drawing/2016/SVG/main" r:embed="rId24"/>
-                </a:ext>
-              </a:extLst>
-            </a:blip>
-            <a:srcRect/>
-            <a:stretch/>
-          </p:blipFill>
-          <p:spPr bwMode="auto">
-            <a:xfrm>
-              <a:off x="7535863" y="1184275"/>
-              <a:ext cx="762000" cy="762000"/>
-            </a:xfrm>
-            <a:prstGeom prst="rect">
-              <a:avLst/>
-            </a:prstGeom>
-            <a:noFill/>
-            <a:ln>
-              <a:noFill/>
-            </a:ln>
-            <a:extLst>
-              <a:ext uri="{909E8E84-426E-40DD-AFC4-6F175D3DCCD1}">
-                <a14:hiddenFill xmlns:a14="http://schemas.microsoft.com/office/drawing/2010/main">
-                  <a:solidFill>
-                    <a:srgbClr val="FFFFFF"/>
-                  </a:solidFill>
-                </a14:hiddenFill>
-              </a:ext>
-              <a:ext uri="{91240B29-F687-4F45-9708-019B960494DF}">
-                <a14:hiddenLine xmlns:a14="http://schemas.microsoft.com/office/drawing/2010/main" w="9525">
-                  <a:solidFill>
-                    <a:srgbClr val="000000"/>
-                  </a:solidFill>
-                  <a:miter lim="800000"/>
-                  <a:headEnd/>
-                  <a:tailEnd/>
-                </a14:hiddenLine>
-              </a:ext>
-            </a:extLst>
-          </p:spPr>
-        </p:pic>
-        <p:sp>
-          <p:nvSpPr>
-            <p:cNvPr id="62" name="TextBox 12">
-              <a:extLst>
-                <a:ext uri="{FF2B5EF4-FFF2-40B4-BE49-F238E27FC236}">
-                  <a16:creationId xmlns:a16="http://schemas.microsoft.com/office/drawing/2014/main" id="{BE8F9E11-126E-C58E-E2D2-ECBE5F7B8371}"/>
-                </a:ext>
-              </a:extLst>
-            </p:cNvPr>
-            <p:cNvSpPr txBox="1">
-              <a:spLocks noChangeArrowheads="1"/>
-            </p:cNvSpPr>
-            <p:nvPr/>
-          </p:nvSpPr>
-          <p:spPr bwMode="auto">
-            <a:xfrm>
-              <a:off x="6786563" y="1946275"/>
-              <a:ext cx="2279650" cy="461665"/>
-            </a:xfrm>
-            <a:prstGeom prst="rect">
-              <a:avLst/>
-            </a:prstGeom>
-            <a:noFill/>
-            <a:ln>
-              <a:noFill/>
-            </a:ln>
-            <a:extLst>
-              <a:ext uri="{909E8E84-426E-40DD-AFC4-6F175D3DCCD1}">
-                <a14:hiddenFill xmlns:a14="http://schemas.microsoft.com/office/drawing/2010/main">
-                  <a:solidFill>
-                    <a:srgbClr val="FFFFFF"/>
-                  </a:solidFill>
-                </a14:hiddenFill>
-              </a:ext>
-              <a:ext uri="{91240B29-F687-4F45-9708-019B960494DF}">
-                <a14:hiddenLine xmlns:a14="http://schemas.microsoft.com/office/drawing/2010/main" w="9525">
-                  <a:solidFill>
-                    <a:srgbClr val="000000"/>
-                  </a:solidFill>
-                  <a:miter lim="800000"/>
-                  <a:headEnd/>
-                  <a:tailEnd/>
-                </a14:hiddenLine>
-              </a:ext>
-            </a:extLst>
-          </p:spPr>
-          <p:txBody>
-            <a:bodyPr>
-              <a:spAutoFit/>
-            </a:bodyPr>
-            <a:lstStyle>
-              <a:lvl1pPr>
-                <a:defRPr>
-                  <a:solidFill>
-                    <a:schemeClr val="tx1"/>
-                  </a:solidFill>
-                  <a:latin typeface="Calibri" panose="020F0502020204030204" pitchFamily="34" charset="0"/>
-                </a:defRPr>
-              </a:lvl1pPr>
-              <a:lvl2pPr marL="742950" indent="-285750">
-                <a:defRPr>
-                  <a:solidFill>
-                    <a:schemeClr val="tx1"/>
-                  </a:solidFill>
-                  <a:latin typeface="Calibri" panose="020F0502020204030204" pitchFamily="34" charset="0"/>
-                </a:defRPr>
-              </a:lvl2pPr>
-              <a:lvl3pPr marL="1143000" indent="-228600">
-                <a:defRPr>
-                  <a:solidFill>
-                    <a:schemeClr val="tx1"/>
-                  </a:solidFill>
-                  <a:latin typeface="Calibri" panose="020F0502020204030204" pitchFamily="34" charset="0"/>
-                </a:defRPr>
-              </a:lvl3pPr>
-              <a:lvl4pPr marL="1600200" indent="-228600">
-                <a:defRPr>
-                  <a:solidFill>
-                    <a:schemeClr val="tx1"/>
-                  </a:solidFill>
-                  <a:latin typeface="Calibri" panose="020F0502020204030204" pitchFamily="34" charset="0"/>
-                </a:defRPr>
-              </a:lvl4pPr>
-              <a:lvl5pPr marL="2057400" indent="-228600">
-                <a:defRPr>
-                  <a:solidFill>
-                    <a:schemeClr val="tx1"/>
-                  </a:solidFill>
-                  <a:latin typeface="Calibri" panose="020F0502020204030204" pitchFamily="34" charset="0"/>
-                </a:defRPr>
-              </a:lvl5pPr>
-              <a:lvl6pPr marL="2514600" indent="-228600" eaLnBrk="0" fontAlgn="base" hangingPunct="0">
-                <a:spcBef>
-                  <a:spcPct val="0"/>
-                </a:spcBef>
-                <a:spcAft>
-                  <a:spcPct val="0"/>
-                </a:spcAft>
-                <a:defRPr>
-                  <a:solidFill>
-                    <a:schemeClr val="tx1"/>
-                  </a:solidFill>
-                  <a:latin typeface="Calibri" panose="020F0502020204030204" pitchFamily="34" charset="0"/>
-                </a:defRPr>
-              </a:lvl6pPr>
-              <a:lvl7pPr marL="2971800" indent="-228600" eaLnBrk="0" fontAlgn="base" hangingPunct="0">
-                <a:spcBef>
-                  <a:spcPct val="0"/>
-                </a:spcBef>
-                <a:spcAft>
-                  <a:spcPct val="0"/>
-                </a:spcAft>
-                <a:defRPr>
-                  <a:solidFill>
-                    <a:schemeClr val="tx1"/>
-                  </a:solidFill>
-                  <a:latin typeface="Calibri" panose="020F0502020204030204" pitchFamily="34" charset="0"/>
-                </a:defRPr>
-              </a:lvl7pPr>
-              <a:lvl8pPr marL="3429000" indent="-228600" eaLnBrk="0" fontAlgn="base" hangingPunct="0">
-                <a:spcBef>
-                  <a:spcPct val="0"/>
-                </a:spcBef>
-                <a:spcAft>
-                  <a:spcPct val="0"/>
-                </a:spcAft>
-                <a:defRPr>
-                  <a:solidFill>
-                    <a:schemeClr val="tx1"/>
-                  </a:solidFill>
-                  <a:latin typeface="Calibri" panose="020F0502020204030204" pitchFamily="34" charset="0"/>
-                </a:defRPr>
-              </a:lvl8pPr>
-              <a:lvl9pPr marL="3886200" indent="-228600" eaLnBrk="0" fontAlgn="base" hangingPunct="0">
-                <a:spcBef>
-                  <a:spcPct val="0"/>
-                </a:spcBef>
-                <a:spcAft>
-                  <a:spcPct val="0"/>
-                </a:spcAft>
-                <a:defRPr>
-                  <a:solidFill>
-                    <a:schemeClr val="tx1"/>
-                  </a:solidFill>
-                  <a:latin typeface="Calibri" panose="020F0502020204030204" pitchFamily="34" charset="0"/>
-                </a:defRPr>
-              </a:lvl9pPr>
-            </a:lstStyle>
-            <a:p>
-              <a:pPr algn="ctr" eaLnBrk="1" hangingPunct="1"/>
-              <a:r>
-                <a:rPr lang="en-US" altLang="en-US" sz="1200" dirty="0">
-                  <a:latin typeface="Arial" panose="020B0604020202020204" pitchFamily="34" charset="0"/>
-                  <a:ea typeface="Amazon Ember" panose="020B0603020204020204" pitchFamily="34" charset="0"/>
-                  <a:cs typeface="Arial" panose="020B0604020202020204" pitchFamily="34" charset="0"/>
-                </a:rPr>
-                <a:t>ACM TLS Certificate</a:t>
-              </a:r>
-              <a:br>
-                <a:rPr lang="en-US" altLang="en-US" sz="1200" dirty="0">
-                  <a:latin typeface="Arial" panose="020B0604020202020204" pitchFamily="34" charset="0"/>
-                  <a:ea typeface="Amazon Ember" panose="020B0603020204020204" pitchFamily="34" charset="0"/>
-                  <a:cs typeface="Arial" panose="020B0604020202020204" pitchFamily="34" charset="0"/>
-                </a:rPr>
-              </a:br>
-              <a:r>
-                <a:rPr lang="en-US" altLang="en-US" sz="1200" b="1" dirty="0">
-                  <a:latin typeface="Arial" panose="020B0604020202020204" pitchFamily="34" charset="0"/>
-                  <a:ea typeface="Amazon Ember" panose="020B0603020204020204" pitchFamily="34" charset="0"/>
-                  <a:cs typeface="Arial" panose="020B0604020202020204" pitchFamily="34" charset="0"/>
-                </a:rPr>
-                <a:t>(optional)</a:t>
-              </a:r>
-            </a:p>
-          </p:txBody>
-        </p:sp>
-      </p:grpSp>
-      <p:grpSp>
-        <p:nvGrpSpPr>
-          <p:cNvPr id="66" name="グループ化 65">
-            <a:extLst>
-              <a:ext uri="{FF2B5EF4-FFF2-40B4-BE49-F238E27FC236}">
-                <a16:creationId xmlns:a16="http://schemas.microsoft.com/office/drawing/2014/main" id="{AF31E509-96A4-6770-52F5-5A26E4672456}"/>
-              </a:ext>
-            </a:extLst>
-          </p:cNvPr>
-          <p:cNvGrpSpPr/>
-          <p:nvPr/>
-        </p:nvGrpSpPr>
-        <p:grpSpPr>
-          <a:xfrm>
-            <a:off x="10342350" y="4237332"/>
-            <a:ext cx="936838" cy="291917"/>
-            <a:chOff x="7557081" y="2339616"/>
-            <a:chExt cx="936838" cy="291917"/>
-          </a:xfrm>
-        </p:grpSpPr>
-        <p:pic>
-          <p:nvPicPr>
-            <p:cNvPr id="1026" name="Picture 2" descr="Press and Logos | GitLab">
-              <a:extLst>
-                <a:ext uri="{FF2B5EF4-FFF2-40B4-BE49-F238E27FC236}">
-                  <a16:creationId xmlns:a16="http://schemas.microsoft.com/office/drawing/2014/main" id="{BB6504B4-DC8F-E25C-E9C8-3733AE3A8A5F}"/>
-                </a:ext>
-              </a:extLst>
-            </p:cNvPr>
-            <p:cNvPicPr>
-              <a:picLocks noChangeAspect="1" noChangeArrowheads="1"/>
-            </p:cNvPicPr>
-            <p:nvPr/>
-          </p:nvPicPr>
-          <p:blipFill>
-            <a:blip r:embed="rId25">
-              <a:extLst>
-                <a:ext uri="{28A0092B-C50C-407E-A947-70E740481C1C}">
-                  <a14:useLocalDpi xmlns:a14="http://schemas.microsoft.com/office/drawing/2010/main" val="0"/>
-                </a:ext>
-              </a:extLst>
-            </a:blip>
-            <a:srcRect/>
-            <a:stretch>
-              <a:fillRect/>
-            </a:stretch>
-          </p:blipFill>
-          <p:spPr bwMode="auto">
-            <a:xfrm>
-              <a:off x="7557081" y="2339616"/>
-              <a:ext cx="317714" cy="291917"/>
-            </a:xfrm>
-            <a:prstGeom prst="rect">
-              <a:avLst/>
-            </a:prstGeom>
-            <a:noFill/>
-            <a:extLst>
-              <a:ext uri="{909E8E84-426E-40DD-AFC4-6F175D3DCCD1}">
-                <a14:hiddenFill xmlns:a14="http://schemas.microsoft.com/office/drawing/2010/main">
-                  <a:solidFill>
-                    <a:srgbClr val="FFFFFF"/>
-                  </a:solidFill>
-                </a14:hiddenFill>
-              </a:ext>
-            </a:extLst>
-          </p:spPr>
-        </p:pic>
-        <p:sp>
-          <p:nvSpPr>
-            <p:cNvPr id="65" name="テキスト ボックス 64">
-              <a:extLst>
-                <a:ext uri="{FF2B5EF4-FFF2-40B4-BE49-F238E27FC236}">
-                  <a16:creationId xmlns:a16="http://schemas.microsoft.com/office/drawing/2014/main" id="{E7F6B4A8-F1EE-024C-378F-EA4042324D15}"/>
-                </a:ext>
-              </a:extLst>
-            </p:cNvPr>
-            <p:cNvSpPr txBox="1"/>
-            <p:nvPr/>
-          </p:nvSpPr>
-          <p:spPr>
-            <a:xfrm>
-              <a:off x="7874795" y="2354534"/>
-              <a:ext cx="619124" cy="276999"/>
-            </a:xfrm>
-            <a:prstGeom prst="rect">
-              <a:avLst/>
-            </a:prstGeom>
-            <a:noFill/>
-          </p:spPr>
-          <p:txBody>
-            <a:bodyPr wrap="square" rtlCol="0">
-              <a:spAutoFit/>
-            </a:bodyPr>
-            <a:lstStyle/>
-            <a:p>
-              <a:r>
-                <a:rPr lang="en-US" altLang="ja-JP" sz="1200" dirty="0">
-                  <a:latin typeface="Arial" panose="020B0604020202020204" pitchFamily="34" charset="0"/>
-                  <a:cs typeface="Arial" panose="020B0604020202020204" pitchFamily="34" charset="0"/>
-                </a:rPr>
-                <a:t>Gitlab</a:t>
-              </a:r>
-              <a:endParaRPr lang="ja-JP" altLang="en-US" sz="1200" dirty="0">
-                <a:latin typeface="Arial" panose="020B0604020202020204" pitchFamily="34" charset="0"/>
-                <a:cs typeface="Arial" panose="020B0604020202020204" pitchFamily="34" charset="0"/>
-              </a:endParaRPr>
-            </a:p>
-          </p:txBody>
-        </p:sp>
-      </p:grpSp>
-      <p:grpSp>
-        <p:nvGrpSpPr>
-          <p:cNvPr id="69" name="グループ化 68">
-            <a:extLst>
-              <a:ext uri="{FF2B5EF4-FFF2-40B4-BE49-F238E27FC236}">
-                <a16:creationId xmlns:a16="http://schemas.microsoft.com/office/drawing/2014/main" id="{539E6BC3-2A13-F2A6-0BA8-33897B204BBD}"/>
-              </a:ext>
-            </a:extLst>
-          </p:cNvPr>
-          <p:cNvGrpSpPr/>
-          <p:nvPr/>
-        </p:nvGrpSpPr>
-        <p:grpSpPr>
-          <a:xfrm>
-            <a:off x="3088844" y="4734262"/>
-            <a:ext cx="1403350" cy="734992"/>
-            <a:chOff x="3896483" y="2804320"/>
-            <a:chExt cx="1403350" cy="734992"/>
-          </a:xfrm>
-        </p:grpSpPr>
-        <p:pic>
-          <p:nvPicPr>
-            <p:cNvPr id="67" name="Graphic 63" descr="Internet gateway resource icon for the Amazon VPC service.&#10;">
-              <a:extLst>
-                <a:ext uri="{FF2B5EF4-FFF2-40B4-BE49-F238E27FC236}">
-                  <a16:creationId xmlns:a16="http://schemas.microsoft.com/office/drawing/2014/main" id="{521E365A-B8DE-60BC-CBEA-BE46AC186CDC}"/>
-                </a:ext>
-              </a:extLst>
-            </p:cNvPr>
-            <p:cNvPicPr>
-              <a:picLocks noChangeAspect="1"/>
-            </p:cNvPicPr>
-            <p:nvPr/>
-          </p:nvPicPr>
-          <p:blipFill>
-            <a:blip r:embed="rId26">
-              <a:extLst>
-                <a:ext uri="{96DAC541-7B7A-43D3-8B79-37D633B846F1}">
-                  <asvg:svgBlip xmlns:asvg="http://schemas.microsoft.com/office/drawing/2016/SVG/main" r:embed="rId27"/>
-                </a:ext>
-              </a:extLst>
-            </a:blip>
-            <a:stretch>
-              <a:fillRect/>
-            </a:stretch>
-          </p:blipFill>
-          <p:spPr>
-            <a:xfrm>
-              <a:off x="4371136" y="2804320"/>
-              <a:ext cx="457200" cy="457200"/>
-            </a:xfrm>
-            <a:prstGeom prst="rect">
-              <a:avLst/>
-            </a:prstGeom>
-          </p:spPr>
-        </p:pic>
-        <p:sp>
-          <p:nvSpPr>
-            <p:cNvPr id="68" name="TextBox 12">
-              <a:extLst>
-                <a:ext uri="{FF2B5EF4-FFF2-40B4-BE49-F238E27FC236}">
-                  <a16:creationId xmlns:a16="http://schemas.microsoft.com/office/drawing/2014/main" id="{61A25C1C-D0B8-7ACD-5BC9-EE05FAADEA3D}"/>
-                </a:ext>
-              </a:extLst>
-            </p:cNvPr>
-            <p:cNvSpPr txBox="1">
-              <a:spLocks noChangeArrowheads="1"/>
-            </p:cNvSpPr>
-            <p:nvPr/>
-          </p:nvSpPr>
-          <p:spPr bwMode="auto">
-            <a:xfrm>
-              <a:off x="3896483" y="3262313"/>
-              <a:ext cx="1403350" cy="276999"/>
-            </a:xfrm>
-            <a:prstGeom prst="rect">
-              <a:avLst/>
-            </a:prstGeom>
-            <a:noFill/>
-            <a:ln>
-              <a:noFill/>
-            </a:ln>
-            <a:extLst>
-              <a:ext uri="{909E8E84-426E-40DD-AFC4-6F175D3DCCD1}">
-                <a14:hiddenFill xmlns:a14="http://schemas.microsoft.com/office/drawing/2010/main">
-                  <a:solidFill>
-                    <a:srgbClr val="FFFFFF"/>
-                  </a:solidFill>
-                </a14:hiddenFill>
-              </a:ext>
-              <a:ext uri="{91240B29-F687-4F45-9708-019B960494DF}">
-                <a14:hiddenLine xmlns:a14="http://schemas.microsoft.com/office/drawing/2010/main" w="9525">
-                  <a:solidFill>
-                    <a:srgbClr val="000000"/>
-                  </a:solidFill>
-                  <a:miter lim="800000"/>
-                  <a:headEnd/>
-                  <a:tailEnd/>
-                </a14:hiddenLine>
-              </a:ext>
-            </a:extLst>
-          </p:spPr>
-          <p:txBody>
-            <a:bodyPr>
-              <a:spAutoFit/>
-            </a:bodyPr>
-            <a:lstStyle>
-              <a:lvl1pPr>
-                <a:defRPr>
-                  <a:solidFill>
-                    <a:schemeClr val="tx1"/>
-                  </a:solidFill>
-                  <a:latin typeface="Calibri" panose="020F0502020204030204" pitchFamily="34" charset="0"/>
-                </a:defRPr>
-              </a:lvl1pPr>
-              <a:lvl2pPr marL="742950" indent="-285750">
-                <a:defRPr>
-                  <a:solidFill>
-                    <a:schemeClr val="tx1"/>
-                  </a:solidFill>
-                  <a:latin typeface="Calibri" panose="020F0502020204030204" pitchFamily="34" charset="0"/>
-                </a:defRPr>
-              </a:lvl2pPr>
-              <a:lvl3pPr marL="1143000" indent="-228600">
-                <a:defRPr>
-                  <a:solidFill>
-                    <a:schemeClr val="tx1"/>
-                  </a:solidFill>
-                  <a:latin typeface="Calibri" panose="020F0502020204030204" pitchFamily="34" charset="0"/>
-                </a:defRPr>
-              </a:lvl3pPr>
-              <a:lvl4pPr marL="1600200" indent="-228600">
-                <a:defRPr>
-                  <a:solidFill>
-                    <a:schemeClr val="tx1"/>
-                  </a:solidFill>
-                  <a:latin typeface="Calibri" panose="020F0502020204030204" pitchFamily="34" charset="0"/>
-                </a:defRPr>
-              </a:lvl4pPr>
-              <a:lvl5pPr marL="2057400" indent="-228600">
-                <a:defRPr>
-                  <a:solidFill>
-                    <a:schemeClr val="tx1"/>
-                  </a:solidFill>
-                  <a:latin typeface="Calibri" panose="020F0502020204030204" pitchFamily="34" charset="0"/>
-                </a:defRPr>
-              </a:lvl5pPr>
-              <a:lvl6pPr marL="2514600" indent="-228600" eaLnBrk="0" fontAlgn="base" hangingPunct="0">
-                <a:spcBef>
-                  <a:spcPct val="0"/>
-                </a:spcBef>
-                <a:spcAft>
-                  <a:spcPct val="0"/>
-                </a:spcAft>
-                <a:defRPr>
-                  <a:solidFill>
-                    <a:schemeClr val="tx1"/>
-                  </a:solidFill>
-                  <a:latin typeface="Calibri" panose="020F0502020204030204" pitchFamily="34" charset="0"/>
-                </a:defRPr>
-              </a:lvl6pPr>
-              <a:lvl7pPr marL="2971800" indent="-228600" eaLnBrk="0" fontAlgn="base" hangingPunct="0">
-                <a:spcBef>
-                  <a:spcPct val="0"/>
-                </a:spcBef>
-                <a:spcAft>
-                  <a:spcPct val="0"/>
-                </a:spcAft>
-                <a:defRPr>
-                  <a:solidFill>
-                    <a:schemeClr val="tx1"/>
-                  </a:solidFill>
-                  <a:latin typeface="Calibri" panose="020F0502020204030204" pitchFamily="34" charset="0"/>
-                </a:defRPr>
-              </a:lvl7pPr>
-              <a:lvl8pPr marL="3429000" indent="-228600" eaLnBrk="0" fontAlgn="base" hangingPunct="0">
-                <a:spcBef>
-                  <a:spcPct val="0"/>
-                </a:spcBef>
-                <a:spcAft>
-                  <a:spcPct val="0"/>
-                </a:spcAft>
-                <a:defRPr>
-                  <a:solidFill>
-                    <a:schemeClr val="tx1"/>
-                  </a:solidFill>
-                  <a:latin typeface="Calibri" panose="020F0502020204030204" pitchFamily="34" charset="0"/>
-                </a:defRPr>
-              </a:lvl8pPr>
-              <a:lvl9pPr marL="3886200" indent="-228600" eaLnBrk="0" fontAlgn="base" hangingPunct="0">
-                <a:spcBef>
-                  <a:spcPct val="0"/>
-                </a:spcBef>
-                <a:spcAft>
-                  <a:spcPct val="0"/>
-                </a:spcAft>
-                <a:defRPr>
-                  <a:solidFill>
-                    <a:schemeClr val="tx1"/>
-                  </a:solidFill>
-                  <a:latin typeface="Calibri" panose="020F0502020204030204" pitchFamily="34" charset="0"/>
-                </a:defRPr>
-              </a:lvl9pPr>
-            </a:lstStyle>
-            <a:p>
-              <a:pPr algn="ctr" eaLnBrk="1" hangingPunct="1"/>
-              <a:r>
-                <a:rPr lang="en-US" altLang="en-US" sz="1200" dirty="0">
-                  <a:latin typeface="Arial" panose="020B0604020202020204" pitchFamily="34" charset="0"/>
-                  <a:ea typeface="Amazon Ember" panose="020B0603020204020204" pitchFamily="34" charset="0"/>
-                  <a:cs typeface="Arial" panose="020B0604020202020204" pitchFamily="34" charset="0"/>
-                </a:rPr>
-                <a:t>IGW</a:t>
-              </a:r>
-            </a:p>
-          </p:txBody>
-        </p:sp>
-      </p:grpSp>
-      <p:sp>
-        <p:nvSpPr>
-          <p:cNvPr id="70" name="Rectangle 103" descr="Generic group dashed.">
-            <a:extLst>
-              <a:ext uri="{FF2B5EF4-FFF2-40B4-BE49-F238E27FC236}">
-                <a16:creationId xmlns:a16="http://schemas.microsoft.com/office/drawing/2014/main" id="{71DA74C7-7ABE-64BE-0E31-0A1FEE20A09F}"/>
-              </a:ext>
-            </a:extLst>
-          </p:cNvPr>
-          <p:cNvSpPr/>
-          <p:nvPr/>
-        </p:nvSpPr>
-        <p:spPr>
-          <a:xfrm>
-            <a:off x="8628203" y="4117895"/>
-            <a:ext cx="2888777" cy="1825707"/>
-          </a:xfrm>
-          <a:prstGeom prst="rect">
-            <a:avLst/>
-          </a:prstGeom>
-          <a:noFill/>
-          <a:ln w="15875">
-            <a:solidFill>
-              <a:srgbClr val="7D8998"/>
-            </a:solidFill>
-            <a:prstDash val="dash"/>
-          </a:ln>
-        </p:spPr>
-        <p:style>
-          <a:lnRef idx="2">
-            <a:schemeClr val="accent1">
-              <a:shade val="50000"/>
-            </a:schemeClr>
-          </a:lnRef>
-          <a:fillRef idx="1">
-            <a:schemeClr val="accent1"/>
-          </a:fillRef>
-          <a:effectRef idx="0">
-            <a:schemeClr val="accent1"/>
-          </a:effectRef>
-          <a:fontRef idx="minor">
-            <a:schemeClr val="lt1"/>
-          </a:fontRef>
-        </p:style>
-        <p:txBody>
-          <a:bodyPr tIns="91440"/>
-          <a:lstStyle/>
-          <a:p>
-            <a:pPr algn="ctr">
-              <a:defRPr/>
-            </a:pPr>
-            <a:endParaRPr lang="en-US" sz="1200" dirty="0">
-              <a:solidFill>
-                <a:schemeClr val="tx1"/>
-              </a:solidFill>
-              <a:latin typeface="Arial" panose="020B0604020202020204" pitchFamily="34" charset="0"/>
-              <a:cs typeface="Arial" panose="020B0604020202020204" pitchFamily="34" charset="0"/>
-            </a:endParaRPr>
-          </a:p>
-        </p:txBody>
-      </p:sp>
-      <p:grpSp>
-        <p:nvGrpSpPr>
-          <p:cNvPr id="76" name="グループ化 75">
-            <a:extLst>
-              <a:ext uri="{FF2B5EF4-FFF2-40B4-BE49-F238E27FC236}">
-                <a16:creationId xmlns:a16="http://schemas.microsoft.com/office/drawing/2014/main" id="{1F28200A-609A-A055-10D2-7203C724A39C}"/>
-              </a:ext>
-            </a:extLst>
-          </p:cNvPr>
-          <p:cNvGrpSpPr/>
-          <p:nvPr/>
-        </p:nvGrpSpPr>
-        <p:grpSpPr>
-          <a:xfrm>
-            <a:off x="5826880" y="7214067"/>
-            <a:ext cx="2279650" cy="1228478"/>
-            <a:chOff x="4502894" y="5418655"/>
-            <a:chExt cx="2279650" cy="1228478"/>
-          </a:xfrm>
-        </p:grpSpPr>
-        <p:pic>
-          <p:nvPicPr>
-            <p:cNvPr id="71" name="Graphic 21" descr="Amazon Route 53 service icon.">
-              <a:extLst>
-                <a:ext uri="{FF2B5EF4-FFF2-40B4-BE49-F238E27FC236}">
-                  <a16:creationId xmlns:a16="http://schemas.microsoft.com/office/drawing/2014/main" id="{648B5AE1-7423-43BB-545D-9CF948B786C1}"/>
-                </a:ext>
-              </a:extLst>
-            </p:cNvPr>
-            <p:cNvPicPr>
-              <a:picLocks noChangeAspect="1" noChangeArrowheads="1"/>
-            </p:cNvPicPr>
-            <p:nvPr/>
-          </p:nvPicPr>
-          <p:blipFill>
-            <a:blip r:embed="rId28">
-              <a:extLst>
-                <a:ext uri="{96DAC541-7B7A-43D3-8B79-37D633B846F1}">
-                  <asvg:svgBlip xmlns:asvg="http://schemas.microsoft.com/office/drawing/2016/SVG/main" r:embed="rId29"/>
-                </a:ext>
-              </a:extLst>
-            </a:blip>
-            <a:srcRect/>
-            <a:stretch/>
-          </p:blipFill>
-          <p:spPr bwMode="auto">
-            <a:xfrm>
-              <a:off x="5261719" y="5418655"/>
-              <a:ext cx="762000" cy="762000"/>
-            </a:xfrm>
-            <a:prstGeom prst="rect">
-              <a:avLst/>
-            </a:prstGeom>
-            <a:noFill/>
-            <a:ln>
-              <a:noFill/>
-            </a:ln>
-            <a:extLst>
-              <a:ext uri="{909E8E84-426E-40DD-AFC4-6F175D3DCCD1}">
-                <a14:hiddenFill xmlns:a14="http://schemas.microsoft.com/office/drawing/2010/main">
-                  <a:solidFill>
-                    <a:srgbClr val="FFFFFF"/>
-                  </a:solidFill>
-                </a14:hiddenFill>
-              </a:ext>
-              <a:ext uri="{91240B29-F687-4F45-9708-019B960494DF}">
-                <a14:hiddenLine xmlns:a14="http://schemas.microsoft.com/office/drawing/2010/main" w="9525">
-                  <a:solidFill>
-                    <a:srgbClr val="000000"/>
-                  </a:solidFill>
-                  <a:miter lim="800000"/>
-                  <a:headEnd/>
-                  <a:tailEnd/>
-                </a14:hiddenLine>
-              </a:ext>
-            </a:extLst>
-          </p:spPr>
-        </p:pic>
-        <p:sp>
-          <p:nvSpPr>
-            <p:cNvPr id="72" name="TextBox 12">
-              <a:extLst>
-                <a:ext uri="{FF2B5EF4-FFF2-40B4-BE49-F238E27FC236}">
-                  <a16:creationId xmlns:a16="http://schemas.microsoft.com/office/drawing/2014/main" id="{B80715E3-D7A8-DC01-F66E-418DBB389F13}"/>
-                </a:ext>
-              </a:extLst>
-            </p:cNvPr>
-            <p:cNvSpPr txBox="1">
-              <a:spLocks noChangeArrowheads="1"/>
-            </p:cNvSpPr>
-            <p:nvPr/>
-          </p:nvSpPr>
-          <p:spPr bwMode="auto">
-            <a:xfrm>
-              <a:off x="4502894" y="6185468"/>
-              <a:ext cx="2279650" cy="461665"/>
-            </a:xfrm>
-            <a:prstGeom prst="rect">
-              <a:avLst/>
-            </a:prstGeom>
-            <a:noFill/>
-            <a:ln>
-              <a:noFill/>
-            </a:ln>
-            <a:extLst>
-              <a:ext uri="{909E8E84-426E-40DD-AFC4-6F175D3DCCD1}">
-                <a14:hiddenFill xmlns:a14="http://schemas.microsoft.com/office/drawing/2010/main">
-                  <a:solidFill>
-                    <a:srgbClr val="FFFFFF"/>
-                  </a:solidFill>
-                </a14:hiddenFill>
-              </a:ext>
-              <a:ext uri="{91240B29-F687-4F45-9708-019B960494DF}">
-                <a14:hiddenLine xmlns:a14="http://schemas.microsoft.com/office/drawing/2010/main" w="9525">
-                  <a:solidFill>
-                    <a:srgbClr val="000000"/>
-                  </a:solidFill>
-                  <a:miter lim="800000"/>
-                  <a:headEnd/>
-                  <a:tailEnd/>
-                </a14:hiddenLine>
-              </a:ext>
-            </a:extLst>
-          </p:spPr>
-          <p:txBody>
-            <a:bodyPr>
-              <a:spAutoFit/>
-            </a:bodyPr>
-            <a:lstStyle>
-              <a:lvl1pPr>
-                <a:defRPr>
-                  <a:solidFill>
-                    <a:schemeClr val="tx1"/>
-                  </a:solidFill>
-                  <a:latin typeface="Calibri" panose="020F0502020204030204" pitchFamily="34" charset="0"/>
-                </a:defRPr>
-              </a:lvl1pPr>
-              <a:lvl2pPr marL="742950" indent="-285750">
-                <a:defRPr>
-                  <a:solidFill>
-                    <a:schemeClr val="tx1"/>
-                  </a:solidFill>
-                  <a:latin typeface="Calibri" panose="020F0502020204030204" pitchFamily="34" charset="0"/>
-                </a:defRPr>
-              </a:lvl2pPr>
-              <a:lvl3pPr marL="1143000" indent="-228600">
-                <a:defRPr>
-                  <a:solidFill>
-                    <a:schemeClr val="tx1"/>
-                  </a:solidFill>
-                  <a:latin typeface="Calibri" panose="020F0502020204030204" pitchFamily="34" charset="0"/>
-                </a:defRPr>
-              </a:lvl3pPr>
-              <a:lvl4pPr marL="1600200" indent="-228600">
-                <a:defRPr>
-                  <a:solidFill>
-                    <a:schemeClr val="tx1"/>
-                  </a:solidFill>
-                  <a:latin typeface="Calibri" panose="020F0502020204030204" pitchFamily="34" charset="0"/>
-                </a:defRPr>
-              </a:lvl4pPr>
-              <a:lvl5pPr marL="2057400" indent="-228600">
-                <a:defRPr>
-                  <a:solidFill>
-                    <a:schemeClr val="tx1"/>
-                  </a:solidFill>
-                  <a:latin typeface="Calibri" panose="020F0502020204030204" pitchFamily="34" charset="0"/>
-                </a:defRPr>
-              </a:lvl5pPr>
-              <a:lvl6pPr marL="2514600" indent="-228600" eaLnBrk="0" fontAlgn="base" hangingPunct="0">
-                <a:spcBef>
-                  <a:spcPct val="0"/>
-                </a:spcBef>
-                <a:spcAft>
-                  <a:spcPct val="0"/>
-                </a:spcAft>
-                <a:defRPr>
-                  <a:solidFill>
-                    <a:schemeClr val="tx1"/>
-                  </a:solidFill>
-                  <a:latin typeface="Calibri" panose="020F0502020204030204" pitchFamily="34" charset="0"/>
-                </a:defRPr>
-              </a:lvl6pPr>
-              <a:lvl7pPr marL="2971800" indent="-228600" eaLnBrk="0" fontAlgn="base" hangingPunct="0">
-                <a:spcBef>
-                  <a:spcPct val="0"/>
-                </a:spcBef>
-                <a:spcAft>
-                  <a:spcPct val="0"/>
-                </a:spcAft>
-                <a:defRPr>
-                  <a:solidFill>
-                    <a:schemeClr val="tx1"/>
-                  </a:solidFill>
-                  <a:latin typeface="Calibri" panose="020F0502020204030204" pitchFamily="34" charset="0"/>
-                </a:defRPr>
-              </a:lvl7pPr>
-              <a:lvl8pPr marL="3429000" indent="-228600" eaLnBrk="0" fontAlgn="base" hangingPunct="0">
-                <a:spcBef>
-                  <a:spcPct val="0"/>
-                </a:spcBef>
-                <a:spcAft>
-                  <a:spcPct val="0"/>
-                </a:spcAft>
-                <a:defRPr>
-                  <a:solidFill>
-                    <a:schemeClr val="tx1"/>
-                  </a:solidFill>
-                  <a:latin typeface="Calibri" panose="020F0502020204030204" pitchFamily="34" charset="0"/>
-                </a:defRPr>
-              </a:lvl8pPr>
-              <a:lvl9pPr marL="3886200" indent="-228600" eaLnBrk="0" fontAlgn="base" hangingPunct="0">
-                <a:spcBef>
-                  <a:spcPct val="0"/>
-                </a:spcBef>
-                <a:spcAft>
-                  <a:spcPct val="0"/>
-                </a:spcAft>
-                <a:defRPr>
-                  <a:solidFill>
-                    <a:schemeClr val="tx1"/>
-                  </a:solidFill>
-                  <a:latin typeface="Calibri" panose="020F0502020204030204" pitchFamily="34" charset="0"/>
-                </a:defRPr>
-              </a:lvl9pPr>
-            </a:lstStyle>
-            <a:p>
-              <a:pPr algn="ctr" eaLnBrk="1" hangingPunct="1"/>
-              <a:r>
-                <a:rPr lang="en-US" altLang="en-US" sz="1200" dirty="0">
-                  <a:latin typeface="Arial" panose="020B0604020202020204" pitchFamily="34" charset="0"/>
-                  <a:ea typeface="Amazon Ember" panose="020B0603020204020204" pitchFamily="34" charset="0"/>
-                  <a:cs typeface="Arial" panose="020B0604020202020204" pitchFamily="34" charset="0"/>
-                </a:rPr>
-                <a:t>Route 53</a:t>
-              </a:r>
-              <a:br>
-                <a:rPr lang="en-US" altLang="en-US" sz="1200" dirty="0">
-                  <a:latin typeface="Arial" panose="020B0604020202020204" pitchFamily="34" charset="0"/>
-                  <a:ea typeface="Amazon Ember" panose="020B0603020204020204" pitchFamily="34" charset="0"/>
-                  <a:cs typeface="Arial" panose="020B0604020202020204" pitchFamily="34" charset="0"/>
-                </a:rPr>
-              </a:br>
-              <a:r>
-                <a:rPr lang="en-US" altLang="en-US" sz="1200" dirty="0">
-                  <a:latin typeface="Arial" panose="020B0604020202020204" pitchFamily="34" charset="0"/>
-                  <a:ea typeface="Amazon Ember" panose="020B0603020204020204" pitchFamily="34" charset="0"/>
-                  <a:cs typeface="Arial" panose="020B0604020202020204" pitchFamily="34" charset="0"/>
-                </a:rPr>
-                <a:t>A Record </a:t>
-              </a:r>
-              <a:r>
-                <a:rPr lang="en-US" altLang="en-US" sz="1200" b="1" dirty="0">
-                  <a:latin typeface="Arial" panose="020B0604020202020204" pitchFamily="34" charset="0"/>
-                  <a:ea typeface="Amazon Ember" panose="020B0603020204020204" pitchFamily="34" charset="0"/>
-                  <a:cs typeface="Arial" panose="020B0604020202020204" pitchFamily="34" charset="0"/>
-                </a:rPr>
-                <a:t>(optional)</a:t>
-              </a:r>
-            </a:p>
-          </p:txBody>
-        </p:sp>
-      </p:grpSp>
-      <p:grpSp>
-        <p:nvGrpSpPr>
-          <p:cNvPr id="75" name="グループ化 74">
-            <a:extLst>
-              <a:ext uri="{FF2B5EF4-FFF2-40B4-BE49-F238E27FC236}">
-                <a16:creationId xmlns:a16="http://schemas.microsoft.com/office/drawing/2014/main" id="{60EB331F-704D-3604-7A03-60DF82A46F15}"/>
-              </a:ext>
-            </a:extLst>
-          </p:cNvPr>
-          <p:cNvGrpSpPr/>
-          <p:nvPr/>
-        </p:nvGrpSpPr>
-        <p:grpSpPr>
-          <a:xfrm>
-            <a:off x="6103586" y="5554942"/>
-            <a:ext cx="1115568" cy="908857"/>
-            <a:chOff x="5318043" y="4000154"/>
-            <a:chExt cx="1115568" cy="908857"/>
-          </a:xfrm>
-        </p:grpSpPr>
-        <p:pic>
-          <p:nvPicPr>
-            <p:cNvPr id="73" name="Graphic 46" descr="Instance instance icon for the Amazon EC2 service.">
-              <a:extLst>
-                <a:ext uri="{FF2B5EF4-FFF2-40B4-BE49-F238E27FC236}">
-                  <a16:creationId xmlns:a16="http://schemas.microsoft.com/office/drawing/2014/main" id="{0D10690E-BA2A-AA5A-657D-D02BCC4AA058}"/>
-                </a:ext>
-              </a:extLst>
-            </p:cNvPr>
-            <p:cNvPicPr>
-              <a:picLocks noChangeAspect="1"/>
-            </p:cNvPicPr>
-            <p:nvPr/>
-          </p:nvPicPr>
-          <p:blipFill>
-            <a:blip r:embed="rId30">
-              <a:extLst>
-                <a:ext uri="{96DAC541-7B7A-43D3-8B79-37D633B846F1}">
-                  <asvg:svgBlip xmlns:asvg="http://schemas.microsoft.com/office/drawing/2016/SVG/main" r:embed="rId31"/>
-                </a:ext>
-              </a:extLst>
-            </a:blip>
-            <a:stretch>
-              <a:fillRect/>
-            </a:stretch>
-          </p:blipFill>
-          <p:spPr>
-            <a:xfrm>
-              <a:off x="5657641" y="4000154"/>
-              <a:ext cx="457200" cy="457200"/>
-            </a:xfrm>
-            <a:prstGeom prst="rect">
-              <a:avLst/>
-            </a:prstGeom>
-          </p:spPr>
-        </p:pic>
-        <p:sp>
-          <p:nvSpPr>
-            <p:cNvPr id="74" name="TextBox 16">
-              <a:extLst>
-                <a:ext uri="{FF2B5EF4-FFF2-40B4-BE49-F238E27FC236}">
-                  <a16:creationId xmlns:a16="http://schemas.microsoft.com/office/drawing/2014/main" id="{DFBB2A23-2522-B00F-B3DC-51894183B3D1}"/>
-                </a:ext>
-              </a:extLst>
-            </p:cNvPr>
-            <p:cNvSpPr txBox="1">
-              <a:spLocks noChangeArrowheads="1"/>
-            </p:cNvSpPr>
-            <p:nvPr/>
-          </p:nvSpPr>
-          <p:spPr bwMode="auto">
-            <a:xfrm>
-              <a:off x="5318043" y="4447346"/>
-              <a:ext cx="1115568" cy="461665"/>
-            </a:xfrm>
-            <a:prstGeom prst="rect">
-              <a:avLst/>
-            </a:prstGeom>
-            <a:noFill/>
-            <a:ln>
-              <a:noFill/>
-            </a:ln>
-            <a:extLst>
-              <a:ext uri="{909E8E84-426E-40DD-AFC4-6F175D3DCCD1}">
-                <a14:hiddenFill xmlns:a14="http://schemas.microsoft.com/office/drawing/2010/main">
-                  <a:solidFill>
-                    <a:srgbClr val="FFFFFF"/>
-                  </a:solidFill>
-                </a14:hiddenFill>
-              </a:ext>
-              <a:ext uri="{91240B29-F687-4F45-9708-019B960494DF}">
-                <a14:hiddenLine xmlns:a14="http://schemas.microsoft.com/office/drawing/2010/main" w="9525">
-                  <a:solidFill>
-                    <a:srgbClr val="000000"/>
-                  </a:solidFill>
-                  <a:miter lim="800000"/>
-                  <a:headEnd/>
-                  <a:tailEnd/>
-                </a14:hiddenLine>
-              </a:ext>
-            </a:extLst>
-          </p:spPr>
-          <p:txBody>
-            <a:bodyPr wrap="square" lIns="0" rIns="0">
-              <a:spAutoFit/>
-            </a:bodyPr>
-            <a:lstStyle>
-              <a:lvl1pPr>
-                <a:defRPr>
-                  <a:solidFill>
-                    <a:schemeClr val="tx1"/>
-                  </a:solidFill>
-                  <a:latin typeface="Calibri" panose="020F0502020204030204" pitchFamily="34" charset="0"/>
-                </a:defRPr>
-              </a:lvl1pPr>
-              <a:lvl2pPr marL="742950" indent="-285750">
-                <a:defRPr>
-                  <a:solidFill>
-                    <a:schemeClr val="tx1"/>
-                  </a:solidFill>
-                  <a:latin typeface="Calibri" panose="020F0502020204030204" pitchFamily="34" charset="0"/>
-                </a:defRPr>
-              </a:lvl2pPr>
-              <a:lvl3pPr marL="1143000" indent="-228600">
-                <a:defRPr>
-                  <a:solidFill>
-                    <a:schemeClr val="tx1"/>
-                  </a:solidFill>
-                  <a:latin typeface="Calibri" panose="020F0502020204030204" pitchFamily="34" charset="0"/>
-                </a:defRPr>
-              </a:lvl3pPr>
-              <a:lvl4pPr marL="1600200" indent="-228600">
-                <a:defRPr>
-                  <a:solidFill>
-                    <a:schemeClr val="tx1"/>
-                  </a:solidFill>
-                  <a:latin typeface="Calibri" panose="020F0502020204030204" pitchFamily="34" charset="0"/>
-                </a:defRPr>
-              </a:lvl4pPr>
-              <a:lvl5pPr marL="2057400" indent="-228600">
-                <a:defRPr>
-                  <a:solidFill>
-                    <a:schemeClr val="tx1"/>
-                  </a:solidFill>
-                  <a:latin typeface="Calibri" panose="020F0502020204030204" pitchFamily="34" charset="0"/>
-                </a:defRPr>
-              </a:lvl5pPr>
-              <a:lvl6pPr marL="2514600" indent="-228600" eaLnBrk="0" fontAlgn="base" hangingPunct="0">
-                <a:spcBef>
-                  <a:spcPct val="0"/>
-                </a:spcBef>
-                <a:spcAft>
-                  <a:spcPct val="0"/>
-                </a:spcAft>
-                <a:defRPr>
-                  <a:solidFill>
-                    <a:schemeClr val="tx1"/>
-                  </a:solidFill>
-                  <a:latin typeface="Calibri" panose="020F0502020204030204" pitchFamily="34" charset="0"/>
-                </a:defRPr>
-              </a:lvl6pPr>
-              <a:lvl7pPr marL="2971800" indent="-228600" eaLnBrk="0" fontAlgn="base" hangingPunct="0">
-                <a:spcBef>
-                  <a:spcPct val="0"/>
-                </a:spcBef>
-                <a:spcAft>
-                  <a:spcPct val="0"/>
-                </a:spcAft>
-                <a:defRPr>
-                  <a:solidFill>
-                    <a:schemeClr val="tx1"/>
-                  </a:solidFill>
-                  <a:latin typeface="Calibri" panose="020F0502020204030204" pitchFamily="34" charset="0"/>
-                </a:defRPr>
-              </a:lvl7pPr>
-              <a:lvl8pPr marL="3429000" indent="-228600" eaLnBrk="0" fontAlgn="base" hangingPunct="0">
-                <a:spcBef>
-                  <a:spcPct val="0"/>
-                </a:spcBef>
-                <a:spcAft>
-                  <a:spcPct val="0"/>
-                </a:spcAft>
-                <a:defRPr>
-                  <a:solidFill>
-                    <a:schemeClr val="tx1"/>
-                  </a:solidFill>
-                  <a:latin typeface="Calibri" panose="020F0502020204030204" pitchFamily="34" charset="0"/>
-                </a:defRPr>
-              </a:lvl8pPr>
-              <a:lvl9pPr marL="3886200" indent="-228600" eaLnBrk="0" fontAlgn="base" hangingPunct="0">
-                <a:spcBef>
-                  <a:spcPct val="0"/>
-                </a:spcBef>
-                <a:spcAft>
-                  <a:spcPct val="0"/>
-                </a:spcAft>
-                <a:defRPr>
-                  <a:solidFill>
-                    <a:schemeClr val="tx1"/>
-                  </a:solidFill>
-                  <a:latin typeface="Calibri" panose="020F0502020204030204" pitchFamily="34" charset="0"/>
-                </a:defRPr>
-              </a:lvl9pPr>
-            </a:lstStyle>
-            <a:p>
-              <a:pPr algn="ctr" eaLnBrk="1" hangingPunct="1"/>
-              <a:r>
-                <a:rPr lang="en-US" altLang="en-US" sz="1200" dirty="0">
-                  <a:latin typeface="Arial" panose="020B0604020202020204" pitchFamily="34" charset="0"/>
-                  <a:ea typeface="Amazon Ember" panose="020B0603020204020204" pitchFamily="34" charset="0"/>
-                  <a:cs typeface="Arial" panose="020B0604020202020204" pitchFamily="34" charset="0"/>
-                </a:rPr>
-                <a:t>NAT Instance</a:t>
-              </a:r>
-              <a:br>
-                <a:rPr lang="en-US" altLang="en-US" sz="1200" dirty="0">
-                  <a:latin typeface="Arial" panose="020B0604020202020204" pitchFamily="34" charset="0"/>
-                  <a:ea typeface="Amazon Ember" panose="020B0603020204020204" pitchFamily="34" charset="0"/>
-                  <a:cs typeface="Arial" panose="020B0604020202020204" pitchFamily="34" charset="0"/>
-                </a:rPr>
-              </a:br>
-              <a:r>
-                <a:rPr lang="en-US" altLang="en-US" sz="1200" b="1" dirty="0">
-                  <a:latin typeface="Arial" panose="020B0604020202020204" pitchFamily="34" charset="0"/>
-                  <a:ea typeface="Amazon Ember" panose="020B0603020204020204" pitchFamily="34" charset="0"/>
-                  <a:cs typeface="Arial" panose="020B0604020202020204" pitchFamily="34" charset="0"/>
-                </a:rPr>
-                <a:t>(optional)</a:t>
-              </a:r>
-            </a:p>
-          </p:txBody>
-        </p:sp>
-      </p:grpSp>
-      <p:pic>
-        <p:nvPicPr>
-          <p:cNvPr id="77" name="Graphic 68" descr="Client resource icon for the General Icons category.">
-            <a:extLst>
-              <a:ext uri="{FF2B5EF4-FFF2-40B4-BE49-F238E27FC236}">
-                <a16:creationId xmlns:a16="http://schemas.microsoft.com/office/drawing/2014/main" id="{D722C450-8251-016F-63D5-13D8FEE48AB5}"/>
-              </a:ext>
-            </a:extLst>
-          </p:cNvPr>
-          <p:cNvPicPr>
-            <a:picLocks noChangeAspect="1"/>
-          </p:cNvPicPr>
-          <p:nvPr/>
-        </p:nvPicPr>
-        <p:blipFill>
-          <a:blip r:embed="rId32">
-            <a:extLst>
-              <a:ext uri="{96DAC541-7B7A-43D3-8B79-37D633B846F1}">
-                <asvg:svgBlip xmlns:asvg="http://schemas.microsoft.com/office/drawing/2016/SVG/main" r:embed="rId33"/>
-              </a:ext>
-            </a:extLst>
-          </a:blip>
-          <a:stretch>
-            <a:fillRect/>
-          </a:stretch>
-        </p:blipFill>
-        <p:spPr>
-          <a:xfrm>
-            <a:off x="2289823" y="5698406"/>
-            <a:ext cx="457200" cy="457200"/>
-          </a:xfrm>
-          <a:prstGeom prst="rect">
-            <a:avLst/>
-          </a:prstGeom>
-        </p:spPr>
-      </p:pic>
-      <p:pic>
-        <p:nvPicPr>
-          <p:cNvPr id="79" name="Graphic 22" descr="User resource icon for the General Icons category.">
-            <a:extLst>
-              <a:ext uri="{FF2B5EF4-FFF2-40B4-BE49-F238E27FC236}">
-                <a16:creationId xmlns:a16="http://schemas.microsoft.com/office/drawing/2014/main" id="{802A8908-C6A5-6119-1C5C-116B611E83BC}"/>
-              </a:ext>
-            </a:extLst>
-          </p:cNvPr>
-          <p:cNvPicPr>
-            <a:picLocks noChangeAspect="1" noChangeArrowheads="1"/>
-          </p:cNvPicPr>
-          <p:nvPr/>
-        </p:nvPicPr>
-        <p:blipFill>
-          <a:blip r:embed="rId34">
-            <a:extLst>
-              <a:ext uri="{96DAC541-7B7A-43D3-8B79-37D633B846F1}">
-                <asvg:svgBlip xmlns:asvg="http://schemas.microsoft.com/office/drawing/2016/SVG/main" r:embed="rId35"/>
-              </a:ext>
-            </a:extLst>
-          </a:blip>
-          <a:srcRect/>
-          <a:stretch/>
-        </p:blipFill>
-        <p:spPr bwMode="auto">
-          <a:xfrm>
-            <a:off x="1919605" y="5917279"/>
-            <a:ext cx="457200" cy="457200"/>
-          </a:xfrm>
-          <a:prstGeom prst="rect">
-            <a:avLst/>
-          </a:prstGeom>
-          <a:noFill/>
-          <a:ln>
-            <a:noFill/>
-          </a:ln>
-          <a:extLst>
-            <a:ext uri="{909E8E84-426E-40DD-AFC4-6F175D3DCCD1}">
-              <a14:hiddenFill xmlns:a14="http://schemas.microsoft.com/office/drawing/2010/main">
-                <a:solidFill>
-                  <a:srgbClr val="FFFFFF"/>
-                </a:solidFill>
-              </a14:hiddenFill>
-            </a:ext>
-            <a:ext uri="{91240B29-F687-4F45-9708-019B960494DF}">
-              <a14:hiddenLine xmlns:a14="http://schemas.microsoft.com/office/drawing/2010/main" w="9525">
-                <a:solidFill>
-                  <a:srgbClr val="000000"/>
-                </a:solidFill>
-                <a:miter lim="800000"/>
-                <a:headEnd/>
-                <a:tailEnd/>
-              </a14:hiddenLine>
-            </a:ext>
-          </a:extLst>
-        </p:spPr>
-      </p:pic>
-      <p:sp>
-        <p:nvSpPr>
-          <p:cNvPr id="80" name="TextBox 39">
-            <a:extLst>
-              <a:ext uri="{FF2B5EF4-FFF2-40B4-BE49-F238E27FC236}">
-                <a16:creationId xmlns:a16="http://schemas.microsoft.com/office/drawing/2014/main" id="{056F99AC-1606-A3BA-C96A-7A38A59D3546}"/>
-              </a:ext>
-            </a:extLst>
-          </p:cNvPr>
-          <p:cNvSpPr txBox="1">
-            <a:spLocks noChangeArrowheads="1"/>
-          </p:cNvSpPr>
-          <p:nvPr/>
-        </p:nvSpPr>
-        <p:spPr bwMode="auto">
-          <a:xfrm>
-            <a:off x="1838166" y="6453057"/>
-            <a:ext cx="1073150" cy="276999"/>
-          </a:xfrm>
-          <a:prstGeom prst="rect">
-            <a:avLst/>
-          </a:prstGeom>
-          <a:noFill/>
-          <a:ln>
-            <a:noFill/>
-          </a:ln>
-          <a:extLst>
-            <a:ext uri="{909E8E84-426E-40DD-AFC4-6F175D3DCCD1}">
-              <a14:hiddenFill xmlns:a14="http://schemas.microsoft.com/office/drawing/2010/main">
-                <a:solidFill>
-                  <a:srgbClr val="FFFFFF"/>
-                </a:solidFill>
-              </a14:hiddenFill>
-            </a:ext>
-            <a:ext uri="{91240B29-F687-4F45-9708-019B960494DF}">
-              <a14:hiddenLine xmlns:a14="http://schemas.microsoft.com/office/drawing/2010/main" w="9525">
-                <a:solidFill>
-                  <a:srgbClr val="000000"/>
-                </a:solidFill>
-                <a:miter lim="800000"/>
-                <a:headEnd/>
-                <a:tailEnd/>
-              </a14:hiddenLine>
-            </a:ext>
-          </a:extLst>
-        </p:spPr>
-        <p:txBody>
-          <a:bodyPr>
-            <a:spAutoFit/>
-          </a:bodyPr>
-          <a:lstStyle>
-            <a:lvl1pPr>
-              <a:defRPr>
-                <a:solidFill>
-                  <a:schemeClr val="tx1"/>
-                </a:solidFill>
-                <a:latin typeface="Calibri" panose="020F0502020204030204" pitchFamily="34" charset="0"/>
-              </a:defRPr>
-            </a:lvl1pPr>
-            <a:lvl2pPr marL="742950" indent="-285750">
-              <a:defRPr>
-                <a:solidFill>
-                  <a:schemeClr val="tx1"/>
-                </a:solidFill>
-                <a:latin typeface="Calibri" panose="020F0502020204030204" pitchFamily="34" charset="0"/>
-              </a:defRPr>
-            </a:lvl2pPr>
-            <a:lvl3pPr marL="1143000" indent="-228600">
-              <a:defRPr>
-                <a:solidFill>
-                  <a:schemeClr val="tx1"/>
-                </a:solidFill>
-                <a:latin typeface="Calibri" panose="020F0502020204030204" pitchFamily="34" charset="0"/>
-              </a:defRPr>
-            </a:lvl3pPr>
-            <a:lvl4pPr marL="1600200" indent="-228600">
-              <a:defRPr>
-                <a:solidFill>
-                  <a:schemeClr val="tx1"/>
-                </a:solidFill>
-                <a:latin typeface="Calibri" panose="020F0502020204030204" pitchFamily="34" charset="0"/>
-              </a:defRPr>
-            </a:lvl4pPr>
-            <a:lvl5pPr marL="2057400" indent="-228600">
-              <a:defRPr>
-                <a:solidFill>
-                  <a:schemeClr val="tx1"/>
-                </a:solidFill>
-                <a:latin typeface="Calibri" panose="020F0502020204030204" pitchFamily="34" charset="0"/>
-              </a:defRPr>
-            </a:lvl5pPr>
-            <a:lvl6pPr marL="2514600" indent="-228600" eaLnBrk="0" fontAlgn="base" hangingPunct="0">
-              <a:spcBef>
-                <a:spcPct val="0"/>
-              </a:spcBef>
-              <a:spcAft>
-                <a:spcPct val="0"/>
-              </a:spcAft>
-              <a:defRPr>
-                <a:solidFill>
-                  <a:schemeClr val="tx1"/>
-                </a:solidFill>
-                <a:latin typeface="Calibri" panose="020F0502020204030204" pitchFamily="34" charset="0"/>
-              </a:defRPr>
-            </a:lvl6pPr>
-            <a:lvl7pPr marL="2971800" indent="-228600" eaLnBrk="0" fontAlgn="base" hangingPunct="0">
-              <a:spcBef>
-                <a:spcPct val="0"/>
-              </a:spcBef>
-              <a:spcAft>
-                <a:spcPct val="0"/>
-              </a:spcAft>
-              <a:defRPr>
-                <a:solidFill>
-                  <a:schemeClr val="tx1"/>
-                </a:solidFill>
-                <a:latin typeface="Calibri" panose="020F0502020204030204" pitchFamily="34" charset="0"/>
-              </a:defRPr>
-            </a:lvl7pPr>
-            <a:lvl8pPr marL="3429000" indent="-228600" eaLnBrk="0" fontAlgn="base" hangingPunct="0">
-              <a:spcBef>
-                <a:spcPct val="0"/>
-              </a:spcBef>
-              <a:spcAft>
-                <a:spcPct val="0"/>
-              </a:spcAft>
-              <a:defRPr>
-                <a:solidFill>
-                  <a:schemeClr val="tx1"/>
-                </a:solidFill>
-                <a:latin typeface="Calibri" panose="020F0502020204030204" pitchFamily="34" charset="0"/>
-              </a:defRPr>
-            </a:lvl8pPr>
-            <a:lvl9pPr marL="3886200" indent="-228600" eaLnBrk="0" fontAlgn="base" hangingPunct="0">
-              <a:spcBef>
-                <a:spcPct val="0"/>
-              </a:spcBef>
-              <a:spcAft>
-                <a:spcPct val="0"/>
-              </a:spcAft>
-              <a:defRPr>
-                <a:solidFill>
-                  <a:schemeClr val="tx1"/>
-                </a:solidFill>
-                <a:latin typeface="Calibri" panose="020F0502020204030204" pitchFamily="34" charset="0"/>
-              </a:defRPr>
-            </a:lvl9pPr>
-          </a:lstStyle>
-          <a:p>
-            <a:pPr algn="ctr" eaLnBrk="1" hangingPunct="1"/>
-            <a:r>
-              <a:rPr lang="en-US" altLang="en-US" sz="1200" dirty="0">
-                <a:latin typeface="Arial" panose="020B0604020202020204" pitchFamily="34" charset="0"/>
-                <a:cs typeface="Arial" panose="020B0604020202020204" pitchFamily="34" charset="0"/>
-              </a:rPr>
-              <a:t>User</a:t>
-            </a:r>
-          </a:p>
-        </p:txBody>
-      </p:sp>
-      <p:cxnSp>
-        <p:nvCxnSpPr>
-          <p:cNvPr id="81" name="Straight Arrow Connector 54" descr="Right pointing horizontal arrow.">
-            <a:extLst>
-              <a:ext uri="{FF2B5EF4-FFF2-40B4-BE49-F238E27FC236}">
-                <a16:creationId xmlns:a16="http://schemas.microsoft.com/office/drawing/2014/main" id="{256CF122-B9E9-55FB-5A23-F1D232A2C156}"/>
-              </a:ext>
-            </a:extLst>
-          </p:cNvPr>
-          <p:cNvCxnSpPr>
-            <a:cxnSpLocks/>
-            <a:stCxn id="67" idx="3"/>
-            <a:endCxn id="59" idx="1"/>
-          </p:cNvCxnSpPr>
-          <p:nvPr/>
-        </p:nvCxnSpPr>
-        <p:spPr>
-          <a:xfrm>
-            <a:off x="4020700" y="4962865"/>
-            <a:ext cx="1475389" cy="5473"/>
-          </a:xfrm>
-          <a:prstGeom prst="straightConnector1">
-            <a:avLst/>
-          </a:prstGeom>
-          <a:ln w="15875">
-            <a:solidFill>
-              <a:schemeClr val="tx1"/>
-            </a:solidFill>
-            <a:headEnd type="none" w="med" len="sm"/>
-            <a:tailEnd type="arrow" w="med" len="sm"/>
-          </a:ln>
-        </p:spPr>
-        <p:style>
-          <a:lnRef idx="1">
-            <a:schemeClr val="accent1"/>
-          </a:lnRef>
-          <a:fillRef idx="0">
-            <a:schemeClr val="accent1"/>
-          </a:fillRef>
-          <a:effectRef idx="0">
-            <a:schemeClr val="accent1"/>
-          </a:effectRef>
-          <a:fontRef idx="minor">
-            <a:schemeClr val="tx1"/>
-          </a:fontRef>
-        </p:style>
-      </p:cxnSp>
-      <p:cxnSp>
-        <p:nvCxnSpPr>
-          <p:cNvPr id="85" name="Straight Arrow Connector 54" descr="Right pointing horizontal arrow.">
-            <a:extLst>
-              <a:ext uri="{FF2B5EF4-FFF2-40B4-BE49-F238E27FC236}">
-                <a16:creationId xmlns:a16="http://schemas.microsoft.com/office/drawing/2014/main" id="{6CED4E5E-8D05-5370-1ED8-2BE296EECCAF}"/>
-              </a:ext>
-            </a:extLst>
-          </p:cNvPr>
-          <p:cNvCxnSpPr>
-            <a:cxnSpLocks/>
-            <a:stCxn id="59" idx="3"/>
-          </p:cNvCxnSpPr>
-          <p:nvPr/>
-        </p:nvCxnSpPr>
-        <p:spPr>
-          <a:xfrm flipV="1">
-            <a:off x="6258089" y="4962865"/>
-            <a:ext cx="2329065" cy="5473"/>
-          </a:xfrm>
-          <a:prstGeom prst="straightConnector1">
-            <a:avLst/>
-          </a:prstGeom>
-          <a:ln w="15875">
-            <a:solidFill>
-              <a:schemeClr val="tx1"/>
-            </a:solidFill>
-            <a:headEnd type="none" w="med" len="sm"/>
-            <a:tailEnd type="arrow" w="med" len="sm"/>
-          </a:ln>
-        </p:spPr>
-        <p:style>
-          <a:lnRef idx="1">
-            <a:schemeClr val="accent1"/>
-          </a:lnRef>
-          <a:fillRef idx="0">
-            <a:schemeClr val="accent1"/>
-          </a:fillRef>
-          <a:effectRef idx="0">
-            <a:schemeClr val="accent1"/>
-          </a:effectRef>
-          <a:fontRef idx="minor">
-            <a:schemeClr val="tx1"/>
-          </a:fontRef>
-        </p:style>
-      </p:cxnSp>
-      <p:cxnSp>
-        <p:nvCxnSpPr>
-          <p:cNvPr id="93" name="Straight Arrow Connector 54" descr="Right pointing horizontal arrow.">
-            <a:extLst>
-              <a:ext uri="{FF2B5EF4-FFF2-40B4-BE49-F238E27FC236}">
-                <a16:creationId xmlns:a16="http://schemas.microsoft.com/office/drawing/2014/main" id="{1D8A4FD0-4BA0-6264-210A-A1997B7485F2}"/>
-              </a:ext>
-            </a:extLst>
-          </p:cNvPr>
-          <p:cNvCxnSpPr>
-            <a:cxnSpLocks/>
-            <a:stCxn id="48" idx="2"/>
-            <a:endCxn id="56" idx="0"/>
-          </p:cNvCxnSpPr>
-          <p:nvPr/>
-        </p:nvCxnSpPr>
-        <p:spPr>
-          <a:xfrm>
-            <a:off x="9236309" y="5626334"/>
-            <a:ext cx="476" cy="1592546"/>
-          </a:xfrm>
-          <a:prstGeom prst="straightConnector1">
-            <a:avLst/>
-          </a:prstGeom>
-          <a:ln w="15875">
-            <a:solidFill>
-              <a:schemeClr val="tx1"/>
-            </a:solidFill>
-            <a:headEnd type="none" w="med" len="sm"/>
-            <a:tailEnd type="arrow" w="med" len="sm"/>
-          </a:ln>
-        </p:spPr>
-        <p:style>
-          <a:lnRef idx="1">
-            <a:schemeClr val="accent1"/>
-          </a:lnRef>
-          <a:fillRef idx="0">
-            <a:schemeClr val="accent1"/>
-          </a:fillRef>
-          <a:effectRef idx="0">
-            <a:schemeClr val="accent1"/>
-          </a:effectRef>
-          <a:fontRef idx="minor">
-            <a:schemeClr val="tx1"/>
-          </a:fontRef>
-        </p:style>
-      </p:cxnSp>
-      <p:cxnSp>
-        <p:nvCxnSpPr>
-          <p:cNvPr id="96" name="Straight Arrow Connector 54" descr="Right pointing horizontal arrow.">
-            <a:extLst>
-              <a:ext uri="{FF2B5EF4-FFF2-40B4-BE49-F238E27FC236}">
-                <a16:creationId xmlns:a16="http://schemas.microsoft.com/office/drawing/2014/main" id="{F7F4DA4C-81C0-A700-E1EF-B1FEAFB64641}"/>
-              </a:ext>
-            </a:extLst>
-          </p:cNvPr>
-          <p:cNvCxnSpPr>
-            <a:cxnSpLocks/>
-            <a:stCxn id="49" idx="3"/>
-            <a:endCxn id="53" idx="1"/>
-          </p:cNvCxnSpPr>
-          <p:nvPr/>
-        </p:nvCxnSpPr>
-        <p:spPr>
-          <a:xfrm>
-            <a:off x="11161268" y="4968335"/>
-            <a:ext cx="749413" cy="0"/>
-          </a:xfrm>
-          <a:prstGeom prst="straightConnector1">
-            <a:avLst/>
-          </a:prstGeom>
-          <a:ln w="15875">
-            <a:solidFill>
-              <a:schemeClr val="tx1"/>
-            </a:solidFill>
-            <a:headEnd type="none" w="med" len="sm"/>
-            <a:tailEnd type="arrow" w="med" len="sm"/>
-          </a:ln>
-        </p:spPr>
-        <p:style>
-          <a:lnRef idx="1">
-            <a:schemeClr val="accent1"/>
-          </a:lnRef>
-          <a:fillRef idx="0">
-            <a:schemeClr val="accent1"/>
-          </a:fillRef>
-          <a:effectRef idx="0">
-            <a:schemeClr val="accent1"/>
-          </a:effectRef>
-          <a:fontRef idx="minor">
-            <a:schemeClr val="tx1"/>
-          </a:fontRef>
-        </p:style>
-      </p:cxnSp>
-      <p:cxnSp>
-        <p:nvCxnSpPr>
-          <p:cNvPr id="103" name="コネクタ: カギ線 102">
-            <a:extLst>
-              <a:ext uri="{FF2B5EF4-FFF2-40B4-BE49-F238E27FC236}">
-                <a16:creationId xmlns:a16="http://schemas.microsoft.com/office/drawing/2014/main" id="{3404817D-1576-2339-79F3-AED640A8A1DC}"/>
-              </a:ext>
-            </a:extLst>
-          </p:cNvPr>
-          <p:cNvCxnSpPr>
-            <a:cxnSpLocks/>
-            <a:stCxn id="60" idx="2"/>
-            <a:endCxn id="61" idx="0"/>
-          </p:cNvCxnSpPr>
-          <p:nvPr/>
-        </p:nvCxnSpPr>
-        <p:spPr>
-          <a:xfrm rot="5400000">
-            <a:off x="4556554" y="5884063"/>
-            <a:ext cx="1594134" cy="1075507"/>
-          </a:xfrm>
-          <a:prstGeom prst="bentConnector3">
-            <a:avLst>
-              <a:gd name="adj1" fmla="val 83923"/>
-            </a:avLst>
-          </a:prstGeom>
-          <a:ln>
-            <a:prstDash val="dash"/>
-          </a:ln>
-        </p:spPr>
-        <p:style>
-          <a:lnRef idx="2">
-            <a:schemeClr val="dk1"/>
-          </a:lnRef>
-          <a:fillRef idx="0">
-            <a:schemeClr val="dk1"/>
-          </a:fillRef>
-          <a:effectRef idx="1">
-            <a:schemeClr val="dk1"/>
-          </a:effectRef>
-          <a:fontRef idx="minor">
-            <a:schemeClr val="tx1"/>
-          </a:fontRef>
-        </p:style>
-      </p:cxnSp>
-      <p:cxnSp>
-        <p:nvCxnSpPr>
-          <p:cNvPr id="113" name="コネクタ: カギ線 112">
-            <a:extLst>
-              <a:ext uri="{FF2B5EF4-FFF2-40B4-BE49-F238E27FC236}">
-                <a16:creationId xmlns:a16="http://schemas.microsoft.com/office/drawing/2014/main" id="{D5745DBC-86A1-AE01-B5AD-3529EEB803F5}"/>
-              </a:ext>
-            </a:extLst>
-          </p:cNvPr>
-          <p:cNvCxnSpPr>
-            <a:cxnSpLocks/>
-            <a:endCxn id="71" idx="0"/>
-          </p:cNvCxnSpPr>
-          <p:nvPr/>
-        </p:nvCxnSpPr>
-        <p:spPr>
-          <a:xfrm rot="16200000" flipH="1">
-            <a:off x="5634920" y="5882282"/>
-            <a:ext cx="1588854" cy="1074716"/>
-          </a:xfrm>
-          <a:prstGeom prst="bentConnector3">
-            <a:avLst>
-              <a:gd name="adj1" fmla="val 84271"/>
-            </a:avLst>
-          </a:prstGeom>
-          <a:ln>
-            <a:prstDash val="dash"/>
-          </a:ln>
-        </p:spPr>
-        <p:style>
-          <a:lnRef idx="2">
-            <a:schemeClr val="dk1"/>
-          </a:lnRef>
-          <a:fillRef idx="0">
-            <a:schemeClr val="dk1"/>
-          </a:fillRef>
-          <a:effectRef idx="1">
-            <a:schemeClr val="dk1"/>
-          </a:effectRef>
-          <a:fontRef idx="minor">
-            <a:schemeClr val="tx1"/>
-          </a:fontRef>
-        </p:style>
-      </p:cxnSp>
-    </p:spTree>
-    <p:extLst>
-      <p:ext uri="{BB962C8B-B14F-4D97-AF65-F5344CB8AC3E}">
-        <p14:creationId xmlns:p14="http://schemas.microsoft.com/office/powerpoint/2010/main" val="3145203891"/>
       </p:ext>
     </p:extLst>
   </p:cSld>
